--- a/Android Interface/Presentation/COS 301 Presentation.pptx
+++ b/Android Interface/Presentation/COS 301 Presentation.pptx
@@ -6,6 +6,23 @@
   </p:sldMasterIdLst>
   <p:sldIdLst>
     <p:sldId id="256" r:id="rId2"/>
+    <p:sldId id="257" r:id="rId3"/>
+    <p:sldId id="258" r:id="rId4"/>
+    <p:sldId id="259" r:id="rId5"/>
+    <p:sldId id="264" r:id="rId6"/>
+    <p:sldId id="265" r:id="rId7"/>
+    <p:sldId id="266" r:id="rId8"/>
+    <p:sldId id="260" r:id="rId9"/>
+    <p:sldId id="261" r:id="rId10"/>
+    <p:sldId id="262" r:id="rId11"/>
+    <p:sldId id="263" r:id="rId12"/>
+    <p:sldId id="268" r:id="rId13"/>
+    <p:sldId id="269" r:id="rId14"/>
+    <p:sldId id="270" r:id="rId15"/>
+    <p:sldId id="271" r:id="rId16"/>
+    <p:sldId id="272" r:id="rId17"/>
+    <p:sldId id="273" r:id="rId18"/>
+    <p:sldId id="267" r:id="rId19"/>
   </p:sldIdLst>
   <p:sldSz cx="12192000" cy="6858000"/>
   <p:notesSz cx="6858000" cy="9144000"/>
@@ -104,6 +121,11 @@
       </a:defRPr>
     </a:lvl9pPr>
   </p:defaultTextStyle>
+  <p:extLst>
+    <p:ext uri="{EFAFB233-063F-42B5-8137-9DF3F51BA10A}">
+      <p15:sldGuideLst xmlns:p15="http://schemas.microsoft.com/office/powerpoint/2012/main"/>
+    </p:ext>
+  </p:extLst>
 </p:presentation>
 </file>
 
@@ -830,7 +852,7 @@
             <a:fld id="{B61BEF0D-F0BB-DE4B-95CE-6DB70DBA9567}" type="datetimeFigureOut">
               <a:rPr lang="en-US" dirty="0"/>
               <a:pPr/>
-              <a:t>17-Mar-16</a:t>
+              <a:t>18-Mar-16</a:t>
             </a:fld>
             <a:endParaRPr lang="en-US" dirty="0"/>
           </a:p>
@@ -1078,7 +1100,7 @@
             <a:fld id="{B61BEF0D-F0BB-DE4B-95CE-6DB70DBA9567}" type="datetimeFigureOut">
               <a:rPr lang="en-US" dirty="0"/>
               <a:pPr/>
-              <a:t>17-Mar-16</a:t>
+              <a:t>18-Mar-16</a:t>
             </a:fld>
             <a:endParaRPr lang="en-US" dirty="0"/>
           </a:p>
@@ -1389,7 +1411,7 @@
             <a:fld id="{B61BEF0D-F0BB-DE4B-95CE-6DB70DBA9567}" type="datetimeFigureOut">
               <a:rPr lang="en-US" dirty="0"/>
               <a:pPr/>
-              <a:t>17-Mar-16</a:t>
+              <a:t>18-Mar-16</a:t>
             </a:fld>
             <a:endParaRPr lang="en-US" dirty="0"/>
           </a:p>
@@ -1727,7 +1749,7 @@
             <a:fld id="{B61BEF0D-F0BB-DE4B-95CE-6DB70DBA9567}" type="datetimeFigureOut">
               <a:rPr lang="en-US" dirty="0"/>
               <a:pPr/>
-              <a:t>17-Mar-16</a:t>
+              <a:t>18-Mar-16</a:t>
             </a:fld>
             <a:endParaRPr lang="en-US" dirty="0"/>
           </a:p>
@@ -2038,7 +2060,7 @@
             <a:fld id="{B61BEF0D-F0BB-DE4B-95CE-6DB70DBA9567}" type="datetimeFigureOut">
               <a:rPr lang="en-US" dirty="0"/>
               <a:pPr/>
-              <a:t>17-Mar-16</a:t>
+              <a:t>18-Mar-16</a:t>
             </a:fld>
             <a:endParaRPr lang="en-US" dirty="0"/>
           </a:p>
@@ -2428,7 +2450,7 @@
             <a:fld id="{B61BEF0D-F0BB-DE4B-95CE-6DB70DBA9567}" type="datetimeFigureOut">
               <a:rPr lang="en-US" dirty="0"/>
               <a:pPr/>
-              <a:t>17-Mar-16</a:t>
+              <a:t>18-Mar-16</a:t>
             </a:fld>
             <a:endParaRPr lang="en-US" dirty="0"/>
           </a:p>
@@ -2594,7 +2616,7 @@
           <a:p>
             <a:fld id="{55C6B4A9-1611-4792-9094-5F34BCA07E0B}" type="datetimeFigureOut">
               <a:rPr lang="en-US" dirty="0"/>
-              <a:t>17-Mar-16</a:t>
+              <a:t>18-Mar-16</a:t>
             </a:fld>
             <a:endParaRPr lang="en-US" dirty="0"/>
           </a:p>
@@ -2770,7 +2792,7 @@
             <a:fld id="{B61BEF0D-F0BB-DE4B-95CE-6DB70DBA9567}" type="datetimeFigureOut">
               <a:rPr lang="en-US" dirty="0"/>
               <a:pPr/>
-              <a:t>17-Mar-16</a:t>
+              <a:t>18-Mar-16</a:t>
             </a:fld>
             <a:endParaRPr lang="en-US" dirty="0"/>
           </a:p>
@@ -2943,7 +2965,7 @@
             <a:fld id="{B61BEF0D-F0BB-DE4B-95CE-6DB70DBA9567}" type="datetimeFigureOut">
               <a:rPr lang="en-US" dirty="0"/>
               <a:pPr/>
-              <a:t>17-Mar-16</a:t>
+              <a:t>18-Mar-16</a:t>
             </a:fld>
             <a:endParaRPr lang="en-US" dirty="0"/>
           </a:p>
@@ -3187,7 +3209,7 @@
             <a:fld id="{B61BEF0D-F0BB-DE4B-95CE-6DB70DBA9567}" type="datetimeFigureOut">
               <a:rPr lang="en-US" dirty="0"/>
               <a:pPr/>
-              <a:t>17-Mar-16</a:t>
+              <a:t>18-Mar-16</a:t>
             </a:fld>
             <a:endParaRPr lang="en-US" dirty="0"/>
           </a:p>
@@ -3415,7 +3437,7 @@
           <a:p>
             <a:fld id="{EB712588-04B1-427B-82EE-E8DB90309F08}" type="datetimeFigureOut">
               <a:rPr lang="en-US" dirty="0"/>
-              <a:t>17-Mar-16</a:t>
+              <a:t>18-Mar-16</a:t>
             </a:fld>
             <a:endParaRPr lang="en-US" dirty="0"/>
           </a:p>
@@ -3785,7 +3807,7 @@
             <a:fld id="{B61BEF0D-F0BB-DE4B-95CE-6DB70DBA9567}" type="datetimeFigureOut">
               <a:rPr lang="en-US" dirty="0"/>
               <a:pPr/>
-              <a:t>17-Mar-16</a:t>
+              <a:t>18-Mar-16</a:t>
             </a:fld>
             <a:endParaRPr lang="en-US" dirty="0"/>
           </a:p>
@@ -3905,7 +3927,7 @@
             <a:fld id="{B61BEF0D-F0BB-DE4B-95CE-6DB70DBA9567}" type="datetimeFigureOut">
               <a:rPr lang="en-US" dirty="0"/>
               <a:pPr/>
-              <a:t>17-Mar-16</a:t>
+              <a:t>18-Mar-16</a:t>
             </a:fld>
             <a:endParaRPr lang="en-US" dirty="0"/>
           </a:p>
@@ -3997,7 +4019,7 @@
             <a:fld id="{B61BEF0D-F0BB-DE4B-95CE-6DB70DBA9567}" type="datetimeFigureOut">
               <a:rPr lang="en-US" dirty="0"/>
               <a:pPr/>
-              <a:t>17-Mar-16</a:t>
+              <a:t>18-Mar-16</a:t>
             </a:fld>
             <a:endParaRPr lang="en-US" dirty="0"/>
           </a:p>
@@ -4248,7 +4270,7 @@
           <a:p>
             <a:fld id="{42A54C80-263E-416B-A8E0-580EDEADCBDC}" type="datetimeFigureOut">
               <a:rPr lang="en-US" dirty="0"/>
-              <a:t>17-Mar-16</a:t>
+              <a:t>18-Mar-16</a:t>
             </a:fld>
             <a:endParaRPr lang="en-US" dirty="0"/>
           </a:p>
@@ -4507,7 +4529,7 @@
             <a:fld id="{B61BEF0D-F0BB-DE4B-95CE-6DB70DBA9567}" type="datetimeFigureOut">
               <a:rPr lang="en-US" dirty="0"/>
               <a:pPr/>
-              <a:t>17-Mar-16</a:t>
+              <a:t>18-Mar-16</a:t>
             </a:fld>
             <a:endParaRPr lang="en-US" dirty="0"/>
           </a:p>
@@ -5247,7 +5269,7 @@
             <a:fld id="{B61BEF0D-F0BB-DE4B-95CE-6DB70DBA9567}" type="datetimeFigureOut">
               <a:rPr lang="en-US" dirty="0"/>
               <a:pPr/>
-              <a:t>17-Mar-16</a:t>
+              <a:t>18-Mar-16</a:t>
             </a:fld>
             <a:endParaRPr lang="en-US" dirty="0"/>
           </a:p>
@@ -5856,6 +5878,1904 @@
 </p:sld>
 </file>
 
+<file path=ppt/slides/slide10.xml><?xml version="1.0" encoding="utf-8"?>
+<p:sld xmlns:a="http://schemas.openxmlformats.org/drawingml/2006/main" xmlns:r="http://schemas.openxmlformats.org/officeDocument/2006/relationships" xmlns:p="http://schemas.openxmlformats.org/presentationml/2006/main">
+  <p:cSld>
+    <p:spTree>
+      <p:nvGrpSpPr>
+        <p:cNvPr id="1" name=""/>
+        <p:cNvGrpSpPr/>
+        <p:nvPr/>
+      </p:nvGrpSpPr>
+      <p:grpSpPr>
+        <a:xfrm>
+          <a:off x="0" y="0"/>
+          <a:ext cx="0" cy="0"/>
+          <a:chOff x="0" y="0"/>
+          <a:chExt cx="0" cy="0"/>
+        </a:xfrm>
+      </p:grpSpPr>
+      <p:sp>
+        <p:nvSpPr>
+          <p:cNvPr id="2" name="Title 1"/>
+          <p:cNvSpPr>
+            <a:spLocks noGrp="1"/>
+          </p:cNvSpPr>
+          <p:nvPr>
+            <p:ph type="title"/>
+          </p:nvPr>
+        </p:nvSpPr>
+        <p:spPr/>
+        <p:txBody>
+          <a:bodyPr/>
+          <a:lstStyle/>
+          <a:p>
+            <a:r>
+              <a:rPr lang="en-US" dirty="0" smtClean="0"/>
+              <a:t>INTERFACE DESIGN FOR UP RESEARCH</a:t>
+            </a:r>
+            <a:endParaRPr lang="en-US" dirty="0"/>
+          </a:p>
+        </p:txBody>
+      </p:sp>
+      <p:sp>
+        <p:nvSpPr>
+          <p:cNvPr id="3" name="Content Placeholder 2"/>
+          <p:cNvSpPr>
+            <a:spLocks noGrp="1"/>
+          </p:cNvSpPr>
+          <p:nvPr>
+            <p:ph idx="1"/>
+          </p:nvPr>
+        </p:nvSpPr>
+        <p:spPr/>
+        <p:txBody>
+          <a:bodyPr/>
+          <a:lstStyle/>
+          <a:p>
+            <a:r>
+              <a:rPr lang="en-US" dirty="0" smtClean="0"/>
+              <a:t>There will only be one global menu</a:t>
+            </a:r>
+          </a:p>
+          <a:p>
+            <a:r>
+              <a:rPr lang="en-US" dirty="0" smtClean="0"/>
+              <a:t>This menu will be on the homepage</a:t>
+            </a:r>
+          </a:p>
+          <a:p>
+            <a:r>
+              <a:rPr lang="en-US" dirty="0" smtClean="0"/>
+              <a:t>Each item on the menu will have a submenu</a:t>
+            </a:r>
+          </a:p>
+          <a:p>
+            <a:pPr lvl="1"/>
+            <a:r>
+              <a:rPr lang="en-US" dirty="0" smtClean="0"/>
+              <a:t>The submenu is depicted by three dots</a:t>
+            </a:r>
+          </a:p>
+          <a:p>
+            <a:pPr lvl="1"/>
+            <a:r>
+              <a:rPr lang="en-US" dirty="0" smtClean="0"/>
+              <a:t>These three dots will contain actions/subfields belonging to that item</a:t>
+            </a:r>
+          </a:p>
+          <a:p>
+            <a:pPr lvl="1"/>
+            <a:r>
+              <a:rPr lang="en-US" dirty="0" smtClean="0"/>
+              <a:t>These items on the submenu will then dynamically create a page  </a:t>
+            </a:r>
+          </a:p>
+          <a:p>
+            <a:pPr lvl="1"/>
+            <a:r>
+              <a:rPr lang="en-US" dirty="0" smtClean="0"/>
+              <a:t>This page will display items related to that particular action</a:t>
+            </a:r>
+            <a:endParaRPr lang="en-US" dirty="0"/>
+          </a:p>
+        </p:txBody>
+      </p:sp>
+    </p:spTree>
+    <p:extLst>
+      <p:ext uri="{BB962C8B-B14F-4D97-AF65-F5344CB8AC3E}">
+        <p14:creationId xmlns:p14="http://schemas.microsoft.com/office/powerpoint/2010/main" val="2211693634"/>
+      </p:ext>
+    </p:extLst>
+  </p:cSld>
+  <p:clrMapOvr>
+    <a:masterClrMapping/>
+  </p:clrMapOvr>
+</p:sld>
+</file>
+
+<file path=ppt/slides/slide11.xml><?xml version="1.0" encoding="utf-8"?>
+<p:sld xmlns:a="http://schemas.openxmlformats.org/drawingml/2006/main" xmlns:r="http://schemas.openxmlformats.org/officeDocument/2006/relationships" xmlns:p="http://schemas.openxmlformats.org/presentationml/2006/main">
+  <p:cSld>
+    <p:spTree>
+      <p:nvGrpSpPr>
+        <p:cNvPr id="1" name=""/>
+        <p:cNvGrpSpPr/>
+        <p:nvPr/>
+      </p:nvGrpSpPr>
+      <p:grpSpPr>
+        <a:xfrm>
+          <a:off x="0" y="0"/>
+          <a:ext cx="0" cy="0"/>
+          <a:chOff x="0" y="0"/>
+          <a:chExt cx="0" cy="0"/>
+        </a:xfrm>
+      </p:grpSpPr>
+      <p:sp>
+        <p:nvSpPr>
+          <p:cNvPr id="2" name="Title 1"/>
+          <p:cNvSpPr>
+            <a:spLocks noGrp="1"/>
+          </p:cNvSpPr>
+          <p:nvPr>
+            <p:ph type="title"/>
+          </p:nvPr>
+        </p:nvSpPr>
+        <p:spPr/>
+        <p:txBody>
+          <a:bodyPr/>
+          <a:lstStyle/>
+          <a:p>
+            <a:r>
+              <a:rPr lang="en-US" dirty="0" smtClean="0"/>
+              <a:t>PROFILE</a:t>
+            </a:r>
+            <a:endParaRPr lang="en-US" dirty="0"/>
+          </a:p>
+        </p:txBody>
+      </p:sp>
+      <p:sp>
+        <p:nvSpPr>
+          <p:cNvPr id="3" name="Content Placeholder 2"/>
+          <p:cNvSpPr>
+            <a:spLocks noGrp="1"/>
+          </p:cNvSpPr>
+          <p:nvPr>
+            <p:ph idx="1"/>
+          </p:nvPr>
+        </p:nvSpPr>
+        <p:spPr/>
+        <p:txBody>
+          <a:bodyPr/>
+          <a:lstStyle/>
+          <a:p>
+            <a:r>
+              <a:rPr lang="en-US" dirty="0" smtClean="0"/>
+              <a:t>Each sub item selected will generate a page</a:t>
+            </a:r>
+          </a:p>
+          <a:p>
+            <a:r>
+              <a:rPr lang="en-US" dirty="0" smtClean="0"/>
+              <a:t>The Profile dot menu will contain the following functions:</a:t>
+            </a:r>
+          </a:p>
+          <a:p>
+            <a:pPr lvl="1"/>
+            <a:r>
+              <a:rPr lang="en-US" dirty="0" smtClean="0"/>
+              <a:t>View/Edit Profile</a:t>
+            </a:r>
+          </a:p>
+          <a:p>
+            <a:pPr lvl="1"/>
+            <a:endParaRPr lang="en-US" dirty="0" smtClean="0"/>
+          </a:p>
+          <a:p>
+            <a:pPr lvl="1"/>
+            <a:endParaRPr lang="en-US" dirty="0" smtClean="0"/>
+          </a:p>
+          <a:p>
+            <a:pPr marL="0" indent="0">
+              <a:buNone/>
+            </a:pPr>
+            <a:endParaRPr lang="en-US" dirty="0"/>
+          </a:p>
+        </p:txBody>
+      </p:sp>
+    </p:spTree>
+    <p:extLst>
+      <p:ext uri="{BB962C8B-B14F-4D97-AF65-F5344CB8AC3E}">
+        <p14:creationId xmlns:p14="http://schemas.microsoft.com/office/powerpoint/2010/main" val="147872064"/>
+      </p:ext>
+    </p:extLst>
+  </p:cSld>
+  <p:clrMapOvr>
+    <a:masterClrMapping/>
+  </p:clrMapOvr>
+</p:sld>
+</file>
+
+<file path=ppt/slides/slide12.xml><?xml version="1.0" encoding="utf-8"?>
+<p:sld xmlns:a="http://schemas.openxmlformats.org/drawingml/2006/main" xmlns:r="http://schemas.openxmlformats.org/officeDocument/2006/relationships" xmlns:p="http://schemas.openxmlformats.org/presentationml/2006/main">
+  <p:cSld>
+    <p:spTree>
+      <p:nvGrpSpPr>
+        <p:cNvPr id="1" name=""/>
+        <p:cNvGrpSpPr/>
+        <p:nvPr/>
+      </p:nvGrpSpPr>
+      <p:grpSpPr>
+        <a:xfrm>
+          <a:off x="0" y="0"/>
+          <a:ext cx="0" cy="0"/>
+          <a:chOff x="0" y="0"/>
+          <a:chExt cx="0" cy="0"/>
+        </a:xfrm>
+      </p:grpSpPr>
+      <p:sp>
+        <p:nvSpPr>
+          <p:cNvPr id="2" name="Title 1"/>
+          <p:cNvSpPr>
+            <a:spLocks noGrp="1"/>
+          </p:cNvSpPr>
+          <p:nvPr>
+            <p:ph type="title"/>
+          </p:nvPr>
+        </p:nvSpPr>
+        <p:spPr/>
+        <p:txBody>
+          <a:bodyPr/>
+          <a:lstStyle/>
+          <a:p>
+            <a:r>
+              <a:rPr lang="en-US" dirty="0" smtClean="0"/>
+              <a:t>PUBLICATION</a:t>
+            </a:r>
+            <a:endParaRPr lang="en-US" dirty="0"/>
+          </a:p>
+        </p:txBody>
+      </p:sp>
+      <p:sp>
+        <p:nvSpPr>
+          <p:cNvPr id="3" name="Content Placeholder 2"/>
+          <p:cNvSpPr>
+            <a:spLocks noGrp="1"/>
+          </p:cNvSpPr>
+          <p:nvPr>
+            <p:ph idx="1"/>
+          </p:nvPr>
+        </p:nvSpPr>
+        <p:spPr/>
+        <p:txBody>
+          <a:bodyPr/>
+          <a:lstStyle/>
+          <a:p>
+            <a:r>
+              <a:rPr lang="en-US" dirty="0" smtClean="0"/>
+              <a:t>The Publication dot menu will contain the following actions:</a:t>
+            </a:r>
+          </a:p>
+          <a:p>
+            <a:pPr lvl="1"/>
+            <a:r>
+              <a:rPr lang="en-US" dirty="0" smtClean="0"/>
+              <a:t>Add/Edit publications</a:t>
+            </a:r>
+            <a:endParaRPr lang="en-US" dirty="0"/>
+          </a:p>
+        </p:txBody>
+      </p:sp>
+    </p:spTree>
+    <p:extLst>
+      <p:ext uri="{BB962C8B-B14F-4D97-AF65-F5344CB8AC3E}">
+        <p14:creationId xmlns:p14="http://schemas.microsoft.com/office/powerpoint/2010/main" val="1768912842"/>
+      </p:ext>
+    </p:extLst>
+  </p:cSld>
+  <p:clrMapOvr>
+    <a:masterClrMapping/>
+  </p:clrMapOvr>
+</p:sld>
+</file>
+
+<file path=ppt/slides/slide13.xml><?xml version="1.0" encoding="utf-8"?>
+<p:sld xmlns:a="http://schemas.openxmlformats.org/drawingml/2006/main" xmlns:r="http://schemas.openxmlformats.org/officeDocument/2006/relationships" xmlns:p="http://schemas.openxmlformats.org/presentationml/2006/main">
+  <p:cSld>
+    <p:spTree>
+      <p:nvGrpSpPr>
+        <p:cNvPr id="1" name=""/>
+        <p:cNvGrpSpPr/>
+        <p:nvPr/>
+      </p:nvGrpSpPr>
+      <p:grpSpPr>
+        <a:xfrm>
+          <a:off x="0" y="0"/>
+          <a:ext cx="0" cy="0"/>
+          <a:chOff x="0" y="0"/>
+          <a:chExt cx="0" cy="0"/>
+        </a:xfrm>
+      </p:grpSpPr>
+      <p:sp>
+        <p:nvSpPr>
+          <p:cNvPr id="2" name="Title 1"/>
+          <p:cNvSpPr>
+            <a:spLocks noGrp="1"/>
+          </p:cNvSpPr>
+          <p:nvPr>
+            <p:ph type="title"/>
+          </p:nvPr>
+        </p:nvSpPr>
+        <p:spPr/>
+        <p:txBody>
+          <a:bodyPr/>
+          <a:lstStyle/>
+          <a:p>
+            <a:r>
+              <a:rPr lang="en-US" dirty="0" smtClean="0"/>
+              <a:t>REPORT</a:t>
+            </a:r>
+            <a:endParaRPr lang="en-US" dirty="0"/>
+          </a:p>
+        </p:txBody>
+      </p:sp>
+      <p:sp>
+        <p:nvSpPr>
+          <p:cNvPr id="3" name="Content Placeholder 2"/>
+          <p:cNvSpPr>
+            <a:spLocks noGrp="1"/>
+          </p:cNvSpPr>
+          <p:nvPr>
+            <p:ph idx="1"/>
+          </p:nvPr>
+        </p:nvSpPr>
+        <p:spPr/>
+        <p:txBody>
+          <a:bodyPr/>
+          <a:lstStyle/>
+          <a:p>
+            <a:endParaRPr lang="en-US" dirty="0"/>
+          </a:p>
+        </p:txBody>
+      </p:sp>
+    </p:spTree>
+    <p:extLst>
+      <p:ext uri="{BB962C8B-B14F-4D97-AF65-F5344CB8AC3E}">
+        <p14:creationId xmlns:p14="http://schemas.microsoft.com/office/powerpoint/2010/main" val="3355431235"/>
+      </p:ext>
+    </p:extLst>
+  </p:cSld>
+  <p:clrMapOvr>
+    <a:masterClrMapping/>
+  </p:clrMapOvr>
+</p:sld>
+</file>
+
+<file path=ppt/slides/slide14.xml><?xml version="1.0" encoding="utf-8"?>
+<p:sld xmlns:a="http://schemas.openxmlformats.org/drawingml/2006/main" xmlns:r="http://schemas.openxmlformats.org/officeDocument/2006/relationships" xmlns:p="http://schemas.openxmlformats.org/presentationml/2006/main">
+  <p:cSld>
+    <p:spTree>
+      <p:nvGrpSpPr>
+        <p:cNvPr id="1" name=""/>
+        <p:cNvGrpSpPr/>
+        <p:nvPr/>
+      </p:nvGrpSpPr>
+      <p:grpSpPr>
+        <a:xfrm>
+          <a:off x="0" y="0"/>
+          <a:ext cx="0" cy="0"/>
+          <a:chOff x="0" y="0"/>
+          <a:chExt cx="0" cy="0"/>
+        </a:xfrm>
+      </p:grpSpPr>
+      <p:sp>
+        <p:nvSpPr>
+          <p:cNvPr id="2" name="Title 1"/>
+          <p:cNvSpPr>
+            <a:spLocks noGrp="1"/>
+          </p:cNvSpPr>
+          <p:nvPr>
+            <p:ph type="title"/>
+          </p:nvPr>
+        </p:nvSpPr>
+        <p:spPr/>
+        <p:txBody>
+          <a:bodyPr/>
+          <a:lstStyle/>
+          <a:p>
+            <a:r>
+              <a:rPr lang="en-US" dirty="0" smtClean="0"/>
+              <a:t>SEARCH</a:t>
+            </a:r>
+            <a:endParaRPr lang="en-US" dirty="0"/>
+          </a:p>
+        </p:txBody>
+      </p:sp>
+      <p:sp>
+        <p:nvSpPr>
+          <p:cNvPr id="3" name="Content Placeholder 2"/>
+          <p:cNvSpPr>
+            <a:spLocks noGrp="1"/>
+          </p:cNvSpPr>
+          <p:nvPr>
+            <p:ph idx="1"/>
+          </p:nvPr>
+        </p:nvSpPr>
+        <p:spPr/>
+        <p:txBody>
+          <a:bodyPr/>
+          <a:lstStyle/>
+          <a:p>
+            <a:endParaRPr lang="en-US"/>
+          </a:p>
+        </p:txBody>
+      </p:sp>
+    </p:spTree>
+    <p:extLst>
+      <p:ext uri="{BB962C8B-B14F-4D97-AF65-F5344CB8AC3E}">
+        <p14:creationId xmlns:p14="http://schemas.microsoft.com/office/powerpoint/2010/main" val="1284402333"/>
+      </p:ext>
+    </p:extLst>
+  </p:cSld>
+  <p:clrMapOvr>
+    <a:masterClrMapping/>
+  </p:clrMapOvr>
+</p:sld>
+</file>
+
+<file path=ppt/slides/slide15.xml><?xml version="1.0" encoding="utf-8"?>
+<p:sld xmlns:a="http://schemas.openxmlformats.org/drawingml/2006/main" xmlns:r="http://schemas.openxmlformats.org/officeDocument/2006/relationships" xmlns:p="http://schemas.openxmlformats.org/presentationml/2006/main">
+  <p:cSld>
+    <p:spTree>
+      <p:nvGrpSpPr>
+        <p:cNvPr id="1" name=""/>
+        <p:cNvGrpSpPr/>
+        <p:nvPr/>
+      </p:nvGrpSpPr>
+      <p:grpSpPr>
+        <a:xfrm>
+          <a:off x="0" y="0"/>
+          <a:ext cx="0" cy="0"/>
+          <a:chOff x="0" y="0"/>
+          <a:chExt cx="0" cy="0"/>
+        </a:xfrm>
+      </p:grpSpPr>
+      <p:sp>
+        <p:nvSpPr>
+          <p:cNvPr id="2" name="Title 1"/>
+          <p:cNvSpPr>
+            <a:spLocks noGrp="1"/>
+          </p:cNvSpPr>
+          <p:nvPr>
+            <p:ph type="title"/>
+          </p:nvPr>
+        </p:nvSpPr>
+        <p:spPr/>
+        <p:txBody>
+          <a:bodyPr/>
+          <a:lstStyle/>
+          <a:p>
+            <a:r>
+              <a:rPr lang="en-US" dirty="0" smtClean="0"/>
+              <a:t>HEAD OF RESEARCH</a:t>
+            </a:r>
+            <a:endParaRPr lang="en-US" dirty="0"/>
+          </a:p>
+        </p:txBody>
+      </p:sp>
+      <p:sp>
+        <p:nvSpPr>
+          <p:cNvPr id="3" name="Content Placeholder 2"/>
+          <p:cNvSpPr>
+            <a:spLocks noGrp="1"/>
+          </p:cNvSpPr>
+          <p:nvPr>
+            <p:ph idx="1"/>
+          </p:nvPr>
+        </p:nvSpPr>
+        <p:spPr/>
+        <p:txBody>
+          <a:bodyPr/>
+          <a:lstStyle/>
+          <a:p>
+            <a:endParaRPr lang="en-US"/>
+          </a:p>
+        </p:txBody>
+      </p:sp>
+    </p:spTree>
+    <p:extLst>
+      <p:ext uri="{BB962C8B-B14F-4D97-AF65-F5344CB8AC3E}">
+        <p14:creationId xmlns:p14="http://schemas.microsoft.com/office/powerpoint/2010/main" val="2169943006"/>
+      </p:ext>
+    </p:extLst>
+  </p:cSld>
+  <p:clrMapOvr>
+    <a:masterClrMapping/>
+  </p:clrMapOvr>
+</p:sld>
+</file>
+
+<file path=ppt/slides/slide16.xml><?xml version="1.0" encoding="utf-8"?>
+<p:sld xmlns:a="http://schemas.openxmlformats.org/drawingml/2006/main" xmlns:r="http://schemas.openxmlformats.org/officeDocument/2006/relationships" xmlns:p="http://schemas.openxmlformats.org/presentationml/2006/main">
+  <p:cSld>
+    <p:spTree>
+      <p:nvGrpSpPr>
+        <p:cNvPr id="1" name=""/>
+        <p:cNvGrpSpPr/>
+        <p:nvPr/>
+      </p:nvGrpSpPr>
+      <p:grpSpPr>
+        <a:xfrm>
+          <a:off x="0" y="0"/>
+          <a:ext cx="0" cy="0"/>
+          <a:chOff x="0" y="0"/>
+          <a:chExt cx="0" cy="0"/>
+        </a:xfrm>
+      </p:grpSpPr>
+      <p:sp>
+        <p:nvSpPr>
+          <p:cNvPr id="2" name="Title 1"/>
+          <p:cNvSpPr>
+            <a:spLocks noGrp="1"/>
+          </p:cNvSpPr>
+          <p:nvPr>
+            <p:ph type="title"/>
+          </p:nvPr>
+        </p:nvSpPr>
+        <p:spPr/>
+        <p:txBody>
+          <a:bodyPr/>
+          <a:lstStyle/>
+          <a:p>
+            <a:r>
+              <a:rPr lang="en-US" dirty="0" smtClean="0"/>
+              <a:t>ADMIN</a:t>
+            </a:r>
+            <a:endParaRPr lang="en-US" dirty="0"/>
+          </a:p>
+        </p:txBody>
+      </p:sp>
+      <p:sp>
+        <p:nvSpPr>
+          <p:cNvPr id="3" name="Content Placeholder 2"/>
+          <p:cNvSpPr>
+            <a:spLocks noGrp="1"/>
+          </p:cNvSpPr>
+          <p:nvPr>
+            <p:ph idx="1"/>
+          </p:nvPr>
+        </p:nvSpPr>
+        <p:spPr/>
+        <p:txBody>
+          <a:bodyPr/>
+          <a:lstStyle/>
+          <a:p>
+            <a:endParaRPr lang="en-US"/>
+          </a:p>
+        </p:txBody>
+      </p:sp>
+    </p:spTree>
+    <p:extLst>
+      <p:ext uri="{BB962C8B-B14F-4D97-AF65-F5344CB8AC3E}">
+        <p14:creationId xmlns:p14="http://schemas.microsoft.com/office/powerpoint/2010/main" val="1399219623"/>
+      </p:ext>
+    </p:extLst>
+  </p:cSld>
+  <p:clrMapOvr>
+    <a:masterClrMapping/>
+  </p:clrMapOvr>
+</p:sld>
+</file>
+
+<file path=ppt/slides/slide17.xml><?xml version="1.0" encoding="utf-8"?>
+<p:sld xmlns:a="http://schemas.openxmlformats.org/drawingml/2006/main" xmlns:r="http://schemas.openxmlformats.org/officeDocument/2006/relationships" xmlns:p="http://schemas.openxmlformats.org/presentationml/2006/main">
+  <p:cSld>
+    <p:spTree>
+      <p:nvGrpSpPr>
+        <p:cNvPr id="1" name=""/>
+        <p:cNvGrpSpPr/>
+        <p:nvPr/>
+      </p:nvGrpSpPr>
+      <p:grpSpPr>
+        <a:xfrm>
+          <a:off x="0" y="0"/>
+          <a:ext cx="0" cy="0"/>
+          <a:chOff x="0" y="0"/>
+          <a:chExt cx="0" cy="0"/>
+        </a:xfrm>
+      </p:grpSpPr>
+      <p:sp>
+        <p:nvSpPr>
+          <p:cNvPr id="2" name="Title 1"/>
+          <p:cNvSpPr>
+            <a:spLocks noGrp="1"/>
+          </p:cNvSpPr>
+          <p:nvPr>
+            <p:ph type="title"/>
+          </p:nvPr>
+        </p:nvSpPr>
+        <p:spPr/>
+        <p:txBody>
+          <a:bodyPr/>
+          <a:lstStyle/>
+          <a:p>
+            <a:r>
+              <a:rPr lang="en-US" dirty="0" smtClean="0"/>
+              <a:t>LOGOUT</a:t>
+            </a:r>
+            <a:endParaRPr lang="en-US" dirty="0"/>
+          </a:p>
+        </p:txBody>
+      </p:sp>
+      <p:sp>
+        <p:nvSpPr>
+          <p:cNvPr id="3" name="Content Placeholder 2"/>
+          <p:cNvSpPr>
+            <a:spLocks noGrp="1"/>
+          </p:cNvSpPr>
+          <p:nvPr>
+            <p:ph idx="1"/>
+          </p:nvPr>
+        </p:nvSpPr>
+        <p:spPr/>
+        <p:txBody>
+          <a:bodyPr/>
+          <a:lstStyle/>
+          <a:p>
+            <a:r>
+              <a:rPr lang="en-US" dirty="0" smtClean="0"/>
+              <a:t>This option will redirect the user to the login page</a:t>
+            </a:r>
+          </a:p>
+        </p:txBody>
+      </p:sp>
+    </p:spTree>
+    <p:extLst>
+      <p:ext uri="{BB962C8B-B14F-4D97-AF65-F5344CB8AC3E}">
+        <p14:creationId xmlns:p14="http://schemas.microsoft.com/office/powerpoint/2010/main" val="2910013269"/>
+      </p:ext>
+    </p:extLst>
+  </p:cSld>
+  <p:clrMapOvr>
+    <a:masterClrMapping/>
+  </p:clrMapOvr>
+</p:sld>
+</file>
+
+<file path=ppt/slides/slide18.xml><?xml version="1.0" encoding="utf-8"?>
+<p:sld xmlns:a="http://schemas.openxmlformats.org/drawingml/2006/main" xmlns:r="http://schemas.openxmlformats.org/officeDocument/2006/relationships" xmlns:p="http://schemas.openxmlformats.org/presentationml/2006/main">
+  <p:cSld>
+    <p:spTree>
+      <p:nvGrpSpPr>
+        <p:cNvPr id="1" name=""/>
+        <p:cNvGrpSpPr/>
+        <p:nvPr/>
+      </p:nvGrpSpPr>
+      <p:grpSpPr>
+        <a:xfrm>
+          <a:off x="0" y="0"/>
+          <a:ext cx="0" cy="0"/>
+          <a:chOff x="0" y="0"/>
+          <a:chExt cx="0" cy="0"/>
+        </a:xfrm>
+      </p:grpSpPr>
+      <p:sp>
+        <p:nvSpPr>
+          <p:cNvPr id="2" name="Title 1"/>
+          <p:cNvSpPr>
+            <a:spLocks noGrp="1"/>
+          </p:cNvSpPr>
+          <p:nvPr>
+            <p:ph type="title"/>
+          </p:nvPr>
+        </p:nvSpPr>
+        <p:spPr/>
+        <p:txBody>
+          <a:bodyPr/>
+          <a:lstStyle/>
+          <a:p>
+            <a:r>
+              <a:rPr lang="en-US" dirty="0" smtClean="0"/>
+              <a:t>TECHNICAL CHALLENGES</a:t>
+            </a:r>
+            <a:endParaRPr lang="en-US" dirty="0"/>
+          </a:p>
+        </p:txBody>
+      </p:sp>
+      <p:sp>
+        <p:nvSpPr>
+          <p:cNvPr id="3" name="Content Placeholder 2"/>
+          <p:cNvSpPr>
+            <a:spLocks noGrp="1"/>
+          </p:cNvSpPr>
+          <p:nvPr>
+            <p:ph idx="1"/>
+          </p:nvPr>
+        </p:nvSpPr>
+        <p:spPr/>
+        <p:txBody>
+          <a:bodyPr/>
+          <a:lstStyle/>
+          <a:p>
+            <a:r>
+              <a:rPr lang="en-US" dirty="0" smtClean="0"/>
+              <a:t>These challenges include:</a:t>
+            </a:r>
+          </a:p>
+          <a:p>
+            <a:pPr lvl="1"/>
+            <a:r>
+              <a:rPr lang="en-US" dirty="0" smtClean="0"/>
+              <a:t>Session Management</a:t>
+            </a:r>
+          </a:p>
+          <a:p>
+            <a:pPr lvl="1"/>
+            <a:r>
+              <a:rPr lang="en-US" dirty="0" smtClean="0"/>
+              <a:t>Appropriate API for graphical Reporting Subsystem statistics generation</a:t>
+            </a:r>
+          </a:p>
+          <a:p>
+            <a:pPr lvl="1"/>
+            <a:r>
+              <a:rPr lang="en-US" dirty="0" smtClean="0"/>
+              <a:t>Password reset options</a:t>
+            </a:r>
+          </a:p>
+          <a:p>
+            <a:pPr lvl="1"/>
+            <a:r>
+              <a:rPr lang="en-US" dirty="0" smtClean="0"/>
+              <a:t>Update installations</a:t>
+            </a:r>
+          </a:p>
+          <a:p>
+            <a:pPr lvl="1"/>
+            <a:r>
+              <a:rPr lang="en-US" dirty="0" smtClean="0"/>
+              <a:t>Maintain history of activity</a:t>
+            </a:r>
+          </a:p>
+        </p:txBody>
+      </p:sp>
+    </p:spTree>
+    <p:extLst>
+      <p:ext uri="{BB962C8B-B14F-4D97-AF65-F5344CB8AC3E}">
+        <p14:creationId xmlns:p14="http://schemas.microsoft.com/office/powerpoint/2010/main" val="4171408797"/>
+      </p:ext>
+    </p:extLst>
+  </p:cSld>
+  <p:clrMapOvr>
+    <a:masterClrMapping/>
+  </p:clrMapOvr>
+</p:sld>
+</file>
+
+<file path=ppt/slides/slide2.xml><?xml version="1.0" encoding="utf-8"?>
+<p:sld xmlns:a="http://schemas.openxmlformats.org/drawingml/2006/main" xmlns:r="http://schemas.openxmlformats.org/officeDocument/2006/relationships" xmlns:p="http://schemas.openxmlformats.org/presentationml/2006/main">
+  <p:cSld>
+    <p:spTree>
+      <p:nvGrpSpPr>
+        <p:cNvPr id="1" name=""/>
+        <p:cNvGrpSpPr/>
+        <p:nvPr/>
+      </p:nvGrpSpPr>
+      <p:grpSpPr>
+        <a:xfrm>
+          <a:off x="0" y="0"/>
+          <a:ext cx="0" cy="0"/>
+          <a:chOff x="0" y="0"/>
+          <a:chExt cx="0" cy="0"/>
+        </a:xfrm>
+      </p:grpSpPr>
+      <p:sp>
+        <p:nvSpPr>
+          <p:cNvPr id="2" name="Title 1"/>
+          <p:cNvSpPr>
+            <a:spLocks noGrp="1"/>
+          </p:cNvSpPr>
+          <p:nvPr>
+            <p:ph type="title"/>
+          </p:nvPr>
+        </p:nvSpPr>
+        <p:spPr/>
+        <p:txBody>
+          <a:bodyPr/>
+          <a:lstStyle/>
+          <a:p>
+            <a:r>
+              <a:rPr lang="en-US" dirty="0" smtClean="0"/>
+              <a:t>WHY ANDROID STUDIO?</a:t>
+            </a:r>
+            <a:endParaRPr lang="en-US" dirty="0"/>
+          </a:p>
+        </p:txBody>
+      </p:sp>
+      <p:sp>
+        <p:nvSpPr>
+          <p:cNvPr id="3" name="Content Placeholder 2"/>
+          <p:cNvSpPr>
+            <a:spLocks noGrp="1"/>
+          </p:cNvSpPr>
+          <p:nvPr>
+            <p:ph idx="1"/>
+          </p:nvPr>
+        </p:nvSpPr>
+        <p:spPr/>
+        <p:txBody>
+          <a:bodyPr/>
+          <a:lstStyle/>
+          <a:p>
+            <a:r>
+              <a:rPr lang="en-US" dirty="0" smtClean="0"/>
+              <a:t>Supports </a:t>
+            </a:r>
+            <a:r>
+              <a:rPr lang="en-US" dirty="0" err="1" smtClean="0"/>
+              <a:t>Gradle</a:t>
+            </a:r>
+            <a:endParaRPr lang="en-US" dirty="0" smtClean="0"/>
+          </a:p>
+          <a:p>
+            <a:r>
+              <a:rPr lang="en-US" dirty="0" smtClean="0"/>
+              <a:t>Code Completion</a:t>
+            </a:r>
+          </a:p>
+          <a:p>
+            <a:r>
+              <a:rPr lang="en-US" dirty="0" smtClean="0"/>
+              <a:t>User Interface</a:t>
+            </a:r>
+          </a:p>
+          <a:p>
+            <a:r>
+              <a:rPr lang="en-US" dirty="0" smtClean="0"/>
+              <a:t>Drag-and-drop Interface</a:t>
+            </a:r>
+          </a:p>
+          <a:p>
+            <a:endParaRPr lang="en-US" dirty="0"/>
+          </a:p>
+        </p:txBody>
+      </p:sp>
+    </p:spTree>
+    <p:extLst>
+      <p:ext uri="{BB962C8B-B14F-4D97-AF65-F5344CB8AC3E}">
+        <p14:creationId xmlns:p14="http://schemas.microsoft.com/office/powerpoint/2010/main" val="117129925"/>
+      </p:ext>
+    </p:extLst>
+  </p:cSld>
+  <p:clrMapOvr>
+    <a:masterClrMapping/>
+  </p:clrMapOvr>
+</p:sld>
+</file>
+
+<file path=ppt/slides/slide3.xml><?xml version="1.0" encoding="utf-8"?>
+<p:sld xmlns:a="http://schemas.openxmlformats.org/drawingml/2006/main" xmlns:r="http://schemas.openxmlformats.org/officeDocument/2006/relationships" xmlns:p="http://schemas.openxmlformats.org/presentationml/2006/main">
+  <p:cSld>
+    <p:spTree>
+      <p:nvGrpSpPr>
+        <p:cNvPr id="1" name=""/>
+        <p:cNvGrpSpPr/>
+        <p:nvPr/>
+      </p:nvGrpSpPr>
+      <p:grpSpPr>
+        <a:xfrm>
+          <a:off x="0" y="0"/>
+          <a:ext cx="0" cy="0"/>
+          <a:chOff x="0" y="0"/>
+          <a:chExt cx="0" cy="0"/>
+        </a:xfrm>
+      </p:grpSpPr>
+      <p:sp>
+        <p:nvSpPr>
+          <p:cNvPr id="2" name="Title 1"/>
+          <p:cNvSpPr>
+            <a:spLocks noGrp="1"/>
+          </p:cNvSpPr>
+          <p:nvPr>
+            <p:ph type="title"/>
+          </p:nvPr>
+        </p:nvSpPr>
+        <p:spPr/>
+        <p:txBody>
+          <a:bodyPr/>
+          <a:lstStyle/>
+          <a:p>
+            <a:r>
+              <a:rPr lang="en-US" dirty="0" smtClean="0"/>
+              <a:t>GRADLE</a:t>
+            </a:r>
+            <a:endParaRPr lang="en-US" dirty="0"/>
+          </a:p>
+        </p:txBody>
+      </p:sp>
+      <p:sp>
+        <p:nvSpPr>
+          <p:cNvPr id="3" name="Content Placeholder 2"/>
+          <p:cNvSpPr>
+            <a:spLocks noGrp="1"/>
+          </p:cNvSpPr>
+          <p:nvPr>
+            <p:ph idx="1"/>
+          </p:nvPr>
+        </p:nvSpPr>
+        <p:spPr/>
+        <p:txBody>
+          <a:bodyPr/>
+          <a:lstStyle/>
+          <a:p>
+            <a:r>
+              <a:rPr lang="en-US" dirty="0" smtClean="0"/>
+              <a:t>Build Tool used by Android Studio</a:t>
+            </a:r>
+          </a:p>
+          <a:p>
+            <a:r>
+              <a:rPr lang="en-US" dirty="0" smtClean="0"/>
+              <a:t>Flexible and offers the best of Ant and Maven</a:t>
+            </a:r>
+            <a:endParaRPr lang="en-US" dirty="0" smtClean="0"/>
+          </a:p>
+          <a:p>
+            <a:r>
+              <a:rPr lang="en-US" dirty="0" smtClean="0"/>
+              <a:t>Automated script when code is run</a:t>
+            </a:r>
+          </a:p>
+          <a:p>
+            <a:r>
+              <a:rPr lang="en-US" dirty="0" smtClean="0"/>
+              <a:t>Creates a script for all modules in one file</a:t>
+            </a:r>
+          </a:p>
+          <a:p>
+            <a:r>
+              <a:rPr lang="en-US" dirty="0" smtClean="0"/>
+              <a:t>Script can be changed as desired</a:t>
+            </a:r>
+            <a:endParaRPr lang="en-US" dirty="0" smtClean="0"/>
+          </a:p>
+        </p:txBody>
+      </p:sp>
+    </p:spTree>
+    <p:extLst>
+      <p:ext uri="{BB962C8B-B14F-4D97-AF65-F5344CB8AC3E}">
+        <p14:creationId xmlns:p14="http://schemas.microsoft.com/office/powerpoint/2010/main" val="2580096738"/>
+      </p:ext>
+    </p:extLst>
+  </p:cSld>
+  <p:clrMapOvr>
+    <a:masterClrMapping/>
+  </p:clrMapOvr>
+</p:sld>
+</file>
+
+<file path=ppt/slides/slide4.xml><?xml version="1.0" encoding="utf-8"?>
+<p:sld xmlns:a="http://schemas.openxmlformats.org/drawingml/2006/main" xmlns:r="http://schemas.openxmlformats.org/officeDocument/2006/relationships" xmlns:p="http://schemas.openxmlformats.org/presentationml/2006/main">
+  <p:cSld>
+    <p:spTree>
+      <p:nvGrpSpPr>
+        <p:cNvPr id="1" name=""/>
+        <p:cNvGrpSpPr/>
+        <p:nvPr/>
+      </p:nvGrpSpPr>
+      <p:grpSpPr>
+        <a:xfrm>
+          <a:off x="0" y="0"/>
+          <a:ext cx="0" cy="0"/>
+          <a:chOff x="0" y="0"/>
+          <a:chExt cx="0" cy="0"/>
+        </a:xfrm>
+      </p:grpSpPr>
+      <p:sp>
+        <p:nvSpPr>
+          <p:cNvPr id="2" name="Title 1"/>
+          <p:cNvSpPr>
+            <a:spLocks noGrp="1"/>
+          </p:cNvSpPr>
+          <p:nvPr>
+            <p:ph type="title"/>
+          </p:nvPr>
+        </p:nvSpPr>
+        <p:spPr/>
+        <p:txBody>
+          <a:bodyPr/>
+          <a:lstStyle/>
+          <a:p>
+            <a:r>
+              <a:rPr lang="en-US" dirty="0" smtClean="0"/>
+              <a:t>GRADLE</a:t>
+            </a:r>
+            <a:endParaRPr lang="en-US" dirty="0"/>
+          </a:p>
+        </p:txBody>
+      </p:sp>
+      <p:sp>
+        <p:nvSpPr>
+          <p:cNvPr id="3" name="Content Placeholder 2"/>
+          <p:cNvSpPr>
+            <a:spLocks noGrp="1"/>
+          </p:cNvSpPr>
+          <p:nvPr>
+            <p:ph idx="1"/>
+          </p:nvPr>
+        </p:nvSpPr>
+        <p:spPr/>
+        <p:txBody>
+          <a:bodyPr>
+            <a:normAutofit/>
+          </a:bodyPr>
+          <a:lstStyle/>
+          <a:p>
+            <a:r>
+              <a:rPr lang="en-US" dirty="0" err="1" smtClean="0"/>
+              <a:t>Gradle</a:t>
+            </a:r>
+            <a:r>
+              <a:rPr lang="en-US" dirty="0" smtClean="0"/>
+              <a:t> built script for our Mock Interface</a:t>
+            </a:r>
+          </a:p>
+          <a:p>
+            <a:r>
+              <a:rPr lang="en-US" dirty="0" smtClean="0"/>
+              <a:t>Specify type of application to build: “apply </a:t>
+            </a:r>
+            <a:r>
+              <a:rPr lang="en-US" dirty="0"/>
+              <a:t>plugin: </a:t>
+            </a:r>
+            <a:r>
+              <a:rPr lang="en-US" dirty="0" smtClean="0"/>
+              <a:t>'</a:t>
+            </a:r>
+            <a:r>
+              <a:rPr lang="en-US" dirty="0" err="1" smtClean="0"/>
+              <a:t>com.android.application</a:t>
+            </a:r>
+            <a:r>
+              <a:rPr lang="en-US" dirty="0" smtClean="0"/>
+              <a:t>‘”</a:t>
+            </a:r>
+          </a:p>
+          <a:p>
+            <a:r>
+              <a:rPr lang="en-US" dirty="0" smtClean="0"/>
+              <a:t>This build script is divided into two parts:</a:t>
+            </a:r>
+          </a:p>
+          <a:p>
+            <a:pPr lvl="1"/>
+            <a:r>
+              <a:rPr lang="en-US" dirty="0" smtClean="0"/>
+              <a:t>Dependencies:</a:t>
+            </a:r>
+          </a:p>
+          <a:p>
+            <a:pPr lvl="2"/>
+            <a:r>
+              <a:rPr lang="en-US" dirty="0" smtClean="0"/>
+              <a:t>Other third party applications used for functionality</a:t>
+            </a:r>
+          </a:p>
+          <a:p>
+            <a:pPr lvl="2"/>
+            <a:r>
+              <a:rPr lang="en-US" dirty="0" smtClean="0"/>
+              <a:t>Ivy </a:t>
+            </a:r>
+            <a:r>
+              <a:rPr lang="en-US" dirty="0"/>
+              <a:t>and Maven </a:t>
+            </a:r>
+            <a:r>
+              <a:rPr lang="en-US" dirty="0" smtClean="0"/>
+              <a:t>dependency and </a:t>
+            </a:r>
+            <a:r>
+              <a:rPr lang="en-US" dirty="0"/>
+              <a:t>repository compatibility </a:t>
+            </a:r>
+            <a:r>
+              <a:rPr lang="en-US" dirty="0" smtClean="0"/>
+              <a:t>layer</a:t>
+            </a:r>
+          </a:p>
+          <a:p>
+            <a:pPr lvl="2"/>
+            <a:r>
+              <a:rPr lang="en-US" dirty="0" smtClean="0"/>
+              <a:t>Simple and flexible specification</a:t>
+            </a:r>
+          </a:p>
+          <a:p>
+            <a:pPr lvl="1"/>
+            <a:r>
+              <a:rPr lang="en-US" dirty="0" smtClean="0"/>
+              <a:t>Android: </a:t>
+            </a:r>
+          </a:p>
+          <a:p>
+            <a:pPr lvl="2"/>
+            <a:r>
+              <a:rPr lang="en-US" dirty="0" smtClean="0"/>
+              <a:t>It contains the fields “</a:t>
+            </a:r>
+            <a:r>
+              <a:rPr lang="en-US" dirty="0" err="1" smtClean="0"/>
+              <a:t>compileSdkVersion</a:t>
+            </a:r>
+            <a:r>
+              <a:rPr lang="en-US" dirty="0" smtClean="0"/>
+              <a:t>” and “</a:t>
+            </a:r>
+            <a:r>
+              <a:rPr lang="en-US" dirty="0" err="1" smtClean="0"/>
+              <a:t>buildToolsVersion</a:t>
+            </a:r>
+            <a:r>
+              <a:rPr lang="en-US" dirty="0" smtClean="0"/>
+              <a:t>”</a:t>
+            </a:r>
+          </a:p>
+          <a:p>
+            <a:pPr lvl="2"/>
+            <a:r>
+              <a:rPr lang="en-US" dirty="0" smtClean="0"/>
+              <a:t>It also contains the “</a:t>
+            </a:r>
+            <a:r>
+              <a:rPr lang="en-US" dirty="0" err="1" smtClean="0"/>
+              <a:t>defaultConfig</a:t>
+            </a:r>
+            <a:r>
+              <a:rPr lang="en-US" dirty="0" smtClean="0"/>
+              <a:t>” and “</a:t>
+            </a:r>
+            <a:r>
+              <a:rPr lang="en-US" dirty="0" err="1" smtClean="0"/>
+              <a:t>buildTypes</a:t>
+            </a:r>
+            <a:r>
+              <a:rPr lang="en-US" dirty="0" smtClean="0"/>
+              <a:t>” subsections.</a:t>
+            </a:r>
+            <a:r>
+              <a:rPr lang="en-US" dirty="0"/>
+              <a:t>	</a:t>
+            </a:r>
+            <a:endParaRPr lang="en-US" dirty="0"/>
+          </a:p>
+        </p:txBody>
+      </p:sp>
+    </p:spTree>
+    <p:extLst>
+      <p:ext uri="{BB962C8B-B14F-4D97-AF65-F5344CB8AC3E}">
+        <p14:creationId xmlns:p14="http://schemas.microsoft.com/office/powerpoint/2010/main" val="602302941"/>
+      </p:ext>
+    </p:extLst>
+  </p:cSld>
+  <p:clrMapOvr>
+    <a:masterClrMapping/>
+  </p:clrMapOvr>
+</p:sld>
+</file>
+
+<file path=ppt/slides/slide5.xml><?xml version="1.0" encoding="utf-8"?>
+<p:sld xmlns:a="http://schemas.openxmlformats.org/drawingml/2006/main" xmlns:r="http://schemas.openxmlformats.org/officeDocument/2006/relationships" xmlns:p="http://schemas.openxmlformats.org/presentationml/2006/main">
+  <p:cSld>
+    <p:spTree>
+      <p:nvGrpSpPr>
+        <p:cNvPr id="1" name=""/>
+        <p:cNvGrpSpPr/>
+        <p:nvPr/>
+      </p:nvGrpSpPr>
+      <p:grpSpPr>
+        <a:xfrm>
+          <a:off x="0" y="0"/>
+          <a:ext cx="0" cy="0"/>
+          <a:chOff x="0" y="0"/>
+          <a:chExt cx="0" cy="0"/>
+        </a:xfrm>
+      </p:grpSpPr>
+      <p:sp>
+        <p:nvSpPr>
+          <p:cNvPr id="2" name="Title 1"/>
+          <p:cNvSpPr>
+            <a:spLocks noGrp="1"/>
+          </p:cNvSpPr>
+          <p:nvPr>
+            <p:ph type="title"/>
+          </p:nvPr>
+        </p:nvSpPr>
+        <p:spPr/>
+        <p:txBody>
+          <a:bodyPr/>
+          <a:lstStyle/>
+          <a:p>
+            <a:r>
+              <a:rPr lang="en-US" dirty="0" smtClean="0"/>
+              <a:t>GRADLE</a:t>
+            </a:r>
+            <a:endParaRPr lang="en-US" dirty="0"/>
+          </a:p>
+        </p:txBody>
+      </p:sp>
+      <p:sp>
+        <p:nvSpPr>
+          <p:cNvPr id="3" name="Content Placeholder 2"/>
+          <p:cNvSpPr>
+            <a:spLocks noGrp="1"/>
+          </p:cNvSpPr>
+          <p:nvPr>
+            <p:ph idx="1"/>
+          </p:nvPr>
+        </p:nvSpPr>
+        <p:spPr/>
+        <p:txBody>
+          <a:bodyPr/>
+          <a:lstStyle/>
+          <a:p>
+            <a:r>
+              <a:rPr lang="en-US" dirty="0" err="1" smtClean="0"/>
+              <a:t>defaultConfig</a:t>
+            </a:r>
+            <a:r>
+              <a:rPr lang="en-US" dirty="0" smtClean="0"/>
+              <a:t> Contents and Syntax:</a:t>
+            </a:r>
+          </a:p>
+          <a:p>
+            <a:pPr marL="457200" lvl="1" indent="0">
+              <a:buNone/>
+            </a:pPr>
+            <a:r>
+              <a:rPr lang="en-US" dirty="0" err="1"/>
+              <a:t>defaultConfig</a:t>
+            </a:r>
+            <a:r>
+              <a:rPr lang="en-US" dirty="0"/>
+              <a:t> {</a:t>
+            </a:r>
+          </a:p>
+          <a:p>
+            <a:pPr marL="457200" lvl="1" indent="0">
+              <a:buNone/>
+            </a:pPr>
+            <a:r>
+              <a:rPr lang="en-US" dirty="0"/>
+              <a:t>        </a:t>
+            </a:r>
+            <a:r>
+              <a:rPr lang="en-US" dirty="0" err="1"/>
+              <a:t>applicationId</a:t>
+            </a:r>
+            <a:r>
+              <a:rPr lang="en-US" dirty="0"/>
+              <a:t> "com.slugger7.upresearch"</a:t>
+            </a:r>
+          </a:p>
+          <a:p>
+            <a:pPr marL="457200" lvl="1" indent="0">
+              <a:buNone/>
+            </a:pPr>
+            <a:r>
+              <a:rPr lang="en-US" dirty="0" smtClean="0"/>
+              <a:t>        </a:t>
+            </a:r>
+            <a:r>
+              <a:rPr lang="en-US" dirty="0" err="1" smtClean="0"/>
+              <a:t>minSdkVersion</a:t>
+            </a:r>
+            <a:r>
+              <a:rPr lang="en-US" dirty="0" smtClean="0"/>
+              <a:t> </a:t>
+            </a:r>
+            <a:r>
+              <a:rPr lang="en-US" dirty="0"/>
+              <a:t>16</a:t>
+            </a:r>
+          </a:p>
+          <a:p>
+            <a:pPr marL="457200" lvl="1" indent="0">
+              <a:buNone/>
+            </a:pPr>
+            <a:r>
+              <a:rPr lang="en-US" dirty="0" smtClean="0"/>
+              <a:t>        </a:t>
+            </a:r>
+            <a:r>
+              <a:rPr lang="en-US" dirty="0" err="1"/>
+              <a:t>targetSdkVersion</a:t>
+            </a:r>
+            <a:r>
+              <a:rPr lang="en-US" dirty="0"/>
+              <a:t> 23</a:t>
+            </a:r>
+          </a:p>
+          <a:p>
+            <a:pPr marL="457200" lvl="1" indent="0">
+              <a:buNone/>
+            </a:pPr>
+            <a:r>
+              <a:rPr lang="en-US" dirty="0"/>
+              <a:t>        </a:t>
+            </a:r>
+            <a:r>
+              <a:rPr lang="en-US" dirty="0" err="1"/>
+              <a:t>versionCode</a:t>
+            </a:r>
+            <a:r>
+              <a:rPr lang="en-US" dirty="0"/>
+              <a:t> 1</a:t>
+            </a:r>
+          </a:p>
+          <a:p>
+            <a:pPr marL="457200" lvl="1" indent="0">
+              <a:buNone/>
+            </a:pPr>
+            <a:r>
+              <a:rPr lang="en-US" dirty="0" smtClean="0"/>
+              <a:t>        </a:t>
+            </a:r>
+            <a:r>
+              <a:rPr lang="en-US" dirty="0" err="1" smtClean="0"/>
+              <a:t>versionName</a:t>
+            </a:r>
+            <a:r>
+              <a:rPr lang="en-US" dirty="0" smtClean="0"/>
+              <a:t> "1.0"</a:t>
+            </a:r>
+          </a:p>
+          <a:p>
+            <a:pPr marL="457200" lvl="1" indent="0">
+              <a:buNone/>
+            </a:pPr>
+            <a:r>
+              <a:rPr lang="en-US" dirty="0" smtClean="0"/>
+              <a:t>    }</a:t>
+            </a:r>
+          </a:p>
+          <a:p>
+            <a:pPr lvl="1"/>
+            <a:endParaRPr lang="en-US" dirty="0"/>
+          </a:p>
+        </p:txBody>
+      </p:sp>
+    </p:spTree>
+    <p:extLst>
+      <p:ext uri="{BB962C8B-B14F-4D97-AF65-F5344CB8AC3E}">
+        <p14:creationId xmlns:p14="http://schemas.microsoft.com/office/powerpoint/2010/main" val="2753238058"/>
+      </p:ext>
+    </p:extLst>
+  </p:cSld>
+  <p:clrMapOvr>
+    <a:masterClrMapping/>
+  </p:clrMapOvr>
+</p:sld>
+</file>
+
+<file path=ppt/slides/slide6.xml><?xml version="1.0" encoding="utf-8"?>
+<p:sld xmlns:a="http://schemas.openxmlformats.org/drawingml/2006/main" xmlns:r="http://schemas.openxmlformats.org/officeDocument/2006/relationships" xmlns:p="http://schemas.openxmlformats.org/presentationml/2006/main">
+  <p:cSld>
+    <p:spTree>
+      <p:nvGrpSpPr>
+        <p:cNvPr id="1" name=""/>
+        <p:cNvGrpSpPr/>
+        <p:nvPr/>
+      </p:nvGrpSpPr>
+      <p:grpSpPr>
+        <a:xfrm>
+          <a:off x="0" y="0"/>
+          <a:ext cx="0" cy="0"/>
+          <a:chOff x="0" y="0"/>
+          <a:chExt cx="0" cy="0"/>
+        </a:xfrm>
+      </p:grpSpPr>
+      <p:sp>
+        <p:nvSpPr>
+          <p:cNvPr id="2" name="Title 1"/>
+          <p:cNvSpPr>
+            <a:spLocks noGrp="1"/>
+          </p:cNvSpPr>
+          <p:nvPr>
+            <p:ph type="title"/>
+          </p:nvPr>
+        </p:nvSpPr>
+        <p:spPr/>
+        <p:txBody>
+          <a:bodyPr/>
+          <a:lstStyle/>
+          <a:p>
+            <a:r>
+              <a:rPr lang="en-US" dirty="0" smtClean="0"/>
+              <a:t>GRADLE</a:t>
+            </a:r>
+            <a:endParaRPr lang="en-US" dirty="0"/>
+          </a:p>
+        </p:txBody>
+      </p:sp>
+      <p:sp>
+        <p:nvSpPr>
+          <p:cNvPr id="3" name="Content Placeholder 2"/>
+          <p:cNvSpPr>
+            <a:spLocks noGrp="1"/>
+          </p:cNvSpPr>
+          <p:nvPr>
+            <p:ph idx="1"/>
+          </p:nvPr>
+        </p:nvSpPr>
+        <p:spPr/>
+        <p:txBody>
+          <a:bodyPr/>
+          <a:lstStyle/>
+          <a:p>
+            <a:r>
+              <a:rPr lang="en-US" dirty="0" err="1" smtClean="0"/>
+              <a:t>buildTypes</a:t>
+            </a:r>
+            <a:r>
+              <a:rPr lang="en-US" dirty="0" smtClean="0"/>
+              <a:t> Contents and Syntax:</a:t>
+            </a:r>
+          </a:p>
+          <a:p>
+            <a:pPr marL="457200" lvl="1" indent="0">
+              <a:buNone/>
+            </a:pPr>
+            <a:r>
+              <a:rPr lang="en-US" dirty="0" err="1"/>
+              <a:t>buildTypes</a:t>
+            </a:r>
+            <a:r>
+              <a:rPr lang="en-US" dirty="0"/>
+              <a:t> {</a:t>
+            </a:r>
+          </a:p>
+          <a:p>
+            <a:pPr marL="457200" lvl="1" indent="0">
+              <a:buNone/>
+            </a:pPr>
+            <a:r>
+              <a:rPr lang="en-US" dirty="0"/>
+              <a:t>        release {</a:t>
+            </a:r>
+          </a:p>
+          <a:p>
+            <a:pPr marL="457200" lvl="1" indent="0">
+              <a:buNone/>
+            </a:pPr>
+            <a:r>
+              <a:rPr lang="en-US" dirty="0"/>
+              <a:t>            </a:t>
+            </a:r>
+            <a:r>
+              <a:rPr lang="en-US" dirty="0" err="1"/>
+              <a:t>minifyEnabled</a:t>
+            </a:r>
+            <a:r>
+              <a:rPr lang="en-US" dirty="0"/>
+              <a:t> false</a:t>
+            </a:r>
+          </a:p>
+          <a:p>
+            <a:pPr marL="457200" lvl="1" indent="0">
+              <a:buNone/>
+            </a:pPr>
+            <a:r>
+              <a:rPr lang="en-US" dirty="0"/>
+              <a:t>            </a:t>
+            </a:r>
+            <a:r>
+              <a:rPr lang="en-US" dirty="0" err="1"/>
+              <a:t>proguardFiles</a:t>
+            </a:r>
+            <a:r>
+              <a:rPr lang="en-US" dirty="0"/>
+              <a:t> </a:t>
+            </a:r>
+            <a:r>
+              <a:rPr lang="en-US" dirty="0" err="1"/>
+              <a:t>getDefaultProguardFile</a:t>
+            </a:r>
+            <a:r>
+              <a:rPr lang="en-US" dirty="0"/>
+              <a:t>('proguard-android.txt'), 'proguard-rules.pro'</a:t>
+            </a:r>
+          </a:p>
+          <a:p>
+            <a:pPr marL="457200" lvl="1" indent="0">
+              <a:buNone/>
+            </a:pPr>
+            <a:r>
+              <a:rPr lang="en-US" dirty="0"/>
+              <a:t>        }</a:t>
+            </a:r>
+          </a:p>
+          <a:p>
+            <a:pPr marL="457200" lvl="1" indent="0">
+              <a:buNone/>
+            </a:pPr>
+            <a:r>
+              <a:rPr lang="en-US" dirty="0"/>
+              <a:t>    }</a:t>
+            </a:r>
+          </a:p>
+        </p:txBody>
+      </p:sp>
+    </p:spTree>
+    <p:extLst>
+      <p:ext uri="{BB962C8B-B14F-4D97-AF65-F5344CB8AC3E}">
+        <p14:creationId xmlns:p14="http://schemas.microsoft.com/office/powerpoint/2010/main" val="3481152132"/>
+      </p:ext>
+    </p:extLst>
+  </p:cSld>
+  <p:clrMapOvr>
+    <a:masterClrMapping/>
+  </p:clrMapOvr>
+</p:sld>
+</file>
+
+<file path=ppt/slides/slide7.xml><?xml version="1.0" encoding="utf-8"?>
+<p:sld xmlns:a="http://schemas.openxmlformats.org/drawingml/2006/main" xmlns:r="http://schemas.openxmlformats.org/officeDocument/2006/relationships" xmlns:p="http://schemas.openxmlformats.org/presentationml/2006/main">
+  <p:cSld>
+    <p:spTree>
+      <p:nvGrpSpPr>
+        <p:cNvPr id="1" name=""/>
+        <p:cNvGrpSpPr/>
+        <p:nvPr/>
+      </p:nvGrpSpPr>
+      <p:grpSpPr>
+        <a:xfrm>
+          <a:off x="0" y="0"/>
+          <a:ext cx="0" cy="0"/>
+          <a:chOff x="0" y="0"/>
+          <a:chExt cx="0" cy="0"/>
+        </a:xfrm>
+      </p:grpSpPr>
+      <p:sp>
+        <p:nvSpPr>
+          <p:cNvPr id="2" name="Title 1"/>
+          <p:cNvSpPr>
+            <a:spLocks noGrp="1"/>
+          </p:cNvSpPr>
+          <p:nvPr>
+            <p:ph type="title"/>
+          </p:nvPr>
+        </p:nvSpPr>
+        <p:spPr/>
+        <p:txBody>
+          <a:bodyPr/>
+          <a:lstStyle/>
+          <a:p>
+            <a:r>
+              <a:rPr lang="en-US" dirty="0" smtClean="0"/>
+              <a:t>GRADLE</a:t>
+            </a:r>
+            <a:endParaRPr lang="en-US" dirty="0"/>
+          </a:p>
+        </p:txBody>
+      </p:sp>
+      <p:sp>
+        <p:nvSpPr>
+          <p:cNvPr id="3" name="Content Placeholder 2"/>
+          <p:cNvSpPr>
+            <a:spLocks noGrp="1"/>
+          </p:cNvSpPr>
+          <p:nvPr>
+            <p:ph idx="1"/>
+          </p:nvPr>
+        </p:nvSpPr>
+        <p:spPr/>
+        <p:txBody>
+          <a:bodyPr/>
+          <a:lstStyle/>
+          <a:p>
+            <a:r>
+              <a:rPr lang="en-US" dirty="0" smtClean="0"/>
+              <a:t>Dependencies:</a:t>
+            </a:r>
+          </a:p>
+          <a:p>
+            <a:pPr marL="457200" lvl="1" indent="0">
+              <a:buNone/>
+            </a:pPr>
+            <a:r>
+              <a:rPr lang="en-US" dirty="0"/>
+              <a:t>dependencies {</a:t>
+            </a:r>
+          </a:p>
+          <a:p>
+            <a:pPr marL="457200" lvl="1" indent="0">
+              <a:buNone/>
+            </a:pPr>
+            <a:r>
+              <a:rPr lang="en-US" dirty="0"/>
+              <a:t>    compile </a:t>
+            </a:r>
+            <a:r>
+              <a:rPr lang="en-US" dirty="0" err="1"/>
+              <a:t>fileTree</a:t>
+            </a:r>
+            <a:r>
+              <a:rPr lang="en-US" dirty="0"/>
+              <a:t>(</a:t>
+            </a:r>
+            <a:r>
+              <a:rPr lang="en-US" dirty="0" err="1"/>
+              <a:t>dir</a:t>
+            </a:r>
+            <a:r>
+              <a:rPr lang="en-US" dirty="0"/>
+              <a:t>: 'libs', include: ['*.jar'])</a:t>
+            </a:r>
+          </a:p>
+          <a:p>
+            <a:pPr marL="457200" lvl="1" indent="0">
+              <a:buNone/>
+            </a:pPr>
+            <a:r>
+              <a:rPr lang="en-US" dirty="0"/>
+              <a:t>    </a:t>
+            </a:r>
+            <a:r>
+              <a:rPr lang="en-US" dirty="0" err="1"/>
+              <a:t>testCompile</a:t>
+            </a:r>
+            <a:r>
+              <a:rPr lang="en-US" dirty="0"/>
+              <a:t> 'junit:junit:4.12'</a:t>
+            </a:r>
+          </a:p>
+          <a:p>
+            <a:pPr marL="457200" lvl="1" indent="0">
+              <a:buNone/>
+            </a:pPr>
+            <a:r>
+              <a:rPr lang="en-US" dirty="0"/>
+              <a:t>    compile 'com.android.support:appcompat-v7:23.2.1'</a:t>
+            </a:r>
+          </a:p>
+          <a:p>
+            <a:pPr marL="457200" lvl="1" indent="0">
+              <a:buNone/>
+            </a:pPr>
+            <a:r>
+              <a:rPr lang="en-US" dirty="0"/>
+              <a:t>    compile 'com.android.support:design:23.2.1'</a:t>
+            </a:r>
+          </a:p>
+          <a:p>
+            <a:pPr marL="457200" lvl="1" indent="0">
+              <a:buNone/>
+            </a:pPr>
+            <a:r>
+              <a:rPr lang="en-US" dirty="0"/>
+              <a:t>}</a:t>
+            </a:r>
+            <a:endParaRPr lang="en-US" dirty="0" smtClean="0"/>
+          </a:p>
+        </p:txBody>
+      </p:sp>
+    </p:spTree>
+    <p:extLst>
+      <p:ext uri="{BB962C8B-B14F-4D97-AF65-F5344CB8AC3E}">
+        <p14:creationId xmlns:p14="http://schemas.microsoft.com/office/powerpoint/2010/main" val="2714864112"/>
+      </p:ext>
+    </p:extLst>
+  </p:cSld>
+  <p:clrMapOvr>
+    <a:masterClrMapping/>
+  </p:clrMapOvr>
+</p:sld>
+</file>
+
+<file path=ppt/slides/slide8.xml><?xml version="1.0" encoding="utf-8"?>
+<p:sld xmlns:a="http://schemas.openxmlformats.org/drawingml/2006/main" xmlns:r="http://schemas.openxmlformats.org/officeDocument/2006/relationships" xmlns:p="http://schemas.openxmlformats.org/presentationml/2006/main">
+  <p:cSld>
+    <p:spTree>
+      <p:nvGrpSpPr>
+        <p:cNvPr id="1" name=""/>
+        <p:cNvGrpSpPr/>
+        <p:nvPr/>
+      </p:nvGrpSpPr>
+      <p:grpSpPr>
+        <a:xfrm>
+          <a:off x="0" y="0"/>
+          <a:ext cx="0" cy="0"/>
+          <a:chOff x="0" y="0"/>
+          <a:chExt cx="0" cy="0"/>
+        </a:xfrm>
+      </p:grpSpPr>
+      <p:sp>
+        <p:nvSpPr>
+          <p:cNvPr id="2" name="Title 1"/>
+          <p:cNvSpPr>
+            <a:spLocks noGrp="1"/>
+          </p:cNvSpPr>
+          <p:nvPr>
+            <p:ph type="title"/>
+          </p:nvPr>
+        </p:nvSpPr>
+        <p:spPr/>
+        <p:txBody>
+          <a:bodyPr/>
+          <a:lstStyle/>
+          <a:p>
+            <a:r>
+              <a:rPr lang="en-US" dirty="0" smtClean="0"/>
+              <a:t>INTERFACE DESIGN FOR UP RESEARCH</a:t>
+            </a:r>
+            <a:endParaRPr lang="en-US" dirty="0"/>
+          </a:p>
+        </p:txBody>
+      </p:sp>
+      <p:pic>
+        <p:nvPicPr>
+          <p:cNvPr id="4" name="Content Placeholder 3"/>
+          <p:cNvPicPr>
+            <a:picLocks noGrp="1" noChangeAspect="1"/>
+          </p:cNvPicPr>
+          <p:nvPr>
+            <p:ph idx="1"/>
+          </p:nvPr>
+        </p:nvPicPr>
+        <p:blipFill>
+          <a:blip r:embed="rId2">
+            <a:extLst>
+              <a:ext uri="{28A0092B-C50C-407E-A947-70E740481C1C}">
+                <a14:useLocalDpi xmlns:a14="http://schemas.microsoft.com/office/drawing/2010/main" val="0"/>
+              </a:ext>
+            </a:extLst>
+          </a:blip>
+          <a:stretch>
+            <a:fillRect/>
+          </a:stretch>
+        </p:blipFill>
+        <p:spPr>
+          <a:xfrm>
+            <a:off x="809442" y="1442434"/>
+            <a:ext cx="7352071" cy="4457923"/>
+          </a:xfrm>
+        </p:spPr>
+      </p:pic>
+    </p:spTree>
+    <p:extLst>
+      <p:ext uri="{BB962C8B-B14F-4D97-AF65-F5344CB8AC3E}">
+        <p14:creationId xmlns:p14="http://schemas.microsoft.com/office/powerpoint/2010/main" val="198520104"/>
+      </p:ext>
+    </p:extLst>
+  </p:cSld>
+  <p:clrMapOvr>
+    <a:masterClrMapping/>
+  </p:clrMapOvr>
+</p:sld>
+</file>
+
+<file path=ppt/slides/slide9.xml><?xml version="1.0" encoding="utf-8"?>
+<p:sld xmlns:a="http://schemas.openxmlformats.org/drawingml/2006/main" xmlns:r="http://schemas.openxmlformats.org/officeDocument/2006/relationships" xmlns:p="http://schemas.openxmlformats.org/presentationml/2006/main">
+  <p:cSld>
+    <p:spTree>
+      <p:nvGrpSpPr>
+        <p:cNvPr id="1" name=""/>
+        <p:cNvGrpSpPr/>
+        <p:nvPr/>
+      </p:nvGrpSpPr>
+      <p:grpSpPr>
+        <a:xfrm>
+          <a:off x="0" y="0"/>
+          <a:ext cx="0" cy="0"/>
+          <a:chOff x="0" y="0"/>
+          <a:chExt cx="0" cy="0"/>
+        </a:xfrm>
+      </p:grpSpPr>
+      <p:sp>
+        <p:nvSpPr>
+          <p:cNvPr id="2" name="Title 1"/>
+          <p:cNvSpPr>
+            <a:spLocks noGrp="1"/>
+          </p:cNvSpPr>
+          <p:nvPr>
+            <p:ph type="title"/>
+          </p:nvPr>
+        </p:nvSpPr>
+        <p:spPr/>
+        <p:txBody>
+          <a:bodyPr/>
+          <a:lstStyle/>
+          <a:p>
+            <a:r>
+              <a:rPr lang="en-US" dirty="0" smtClean="0"/>
+              <a:t>INTERFACE DESIGN FOR UP RESEARCH</a:t>
+            </a:r>
+            <a:endParaRPr lang="en-US" dirty="0"/>
+          </a:p>
+        </p:txBody>
+      </p:sp>
+      <p:sp>
+        <p:nvSpPr>
+          <p:cNvPr id="3" name="Content Placeholder 2"/>
+          <p:cNvSpPr>
+            <a:spLocks noGrp="1"/>
+          </p:cNvSpPr>
+          <p:nvPr>
+            <p:ph idx="1"/>
+          </p:nvPr>
+        </p:nvSpPr>
+        <p:spPr/>
+        <p:txBody>
+          <a:bodyPr/>
+          <a:lstStyle/>
+          <a:p>
+            <a:r>
+              <a:rPr lang="en-US" dirty="0" smtClean="0"/>
+              <a:t>The homepage will be dynamically created for each user</a:t>
+            </a:r>
+          </a:p>
+          <a:p>
+            <a:r>
+              <a:rPr lang="en-US" dirty="0" smtClean="0"/>
+              <a:t>Contents of the homepage will be papers in progress</a:t>
+            </a:r>
+          </a:p>
+          <a:p>
+            <a:r>
+              <a:rPr lang="en-US" dirty="0" smtClean="0"/>
+              <a:t>On the homepage, there will be a sliding global menu</a:t>
+            </a:r>
+          </a:p>
+          <a:p>
+            <a:r>
+              <a:rPr lang="en-US" dirty="0" smtClean="0"/>
+              <a:t>The menu will contain the following fields:</a:t>
+            </a:r>
+          </a:p>
+          <a:p>
+            <a:pPr lvl="1"/>
+            <a:r>
+              <a:rPr lang="en-US" dirty="0" smtClean="0"/>
+              <a:t>Basic User: Profile, Publication, Report, Search, Logout</a:t>
+            </a:r>
+          </a:p>
+          <a:p>
+            <a:pPr lvl="1"/>
+            <a:r>
+              <a:rPr lang="en-US" dirty="0" smtClean="0"/>
+              <a:t>Head of Research: an additional privileges field for such a user will be added</a:t>
+            </a:r>
+          </a:p>
+          <a:p>
+            <a:pPr lvl="1"/>
+            <a:r>
+              <a:rPr lang="en-US" dirty="0" smtClean="0"/>
+              <a:t>Admin: an additional privilege field named “Admin” will be added</a:t>
+            </a:r>
+          </a:p>
+          <a:p>
+            <a:endParaRPr lang="en-US" dirty="0" smtClean="0"/>
+          </a:p>
+          <a:p>
+            <a:endParaRPr lang="en-US" dirty="0"/>
+          </a:p>
+        </p:txBody>
+      </p:sp>
+    </p:spTree>
+    <p:extLst>
+      <p:ext uri="{BB962C8B-B14F-4D97-AF65-F5344CB8AC3E}">
+        <p14:creationId xmlns:p14="http://schemas.microsoft.com/office/powerpoint/2010/main" val="1373200535"/>
+      </p:ext>
+    </p:extLst>
+  </p:cSld>
+  <p:clrMapOvr>
+    <a:masterClrMapping/>
+  </p:clrMapOvr>
+</p:sld>
+</file>
+
 <file path=ppt/theme/theme1.xml><?xml version="1.0" encoding="utf-8"?>
 <a:theme xmlns:a="http://schemas.openxmlformats.org/drawingml/2006/main" name="Facet">
   <a:themeElements>

--- a/Android Interface/Presentation/COS 301 Presentation.pptx
+++ b/Android Interface/Presentation/COS 301 Presentation.pptx
@@ -6594,7 +6594,9 @@
         </p:nvSpPr>
         <p:spPr/>
         <p:txBody>
-          <a:bodyPr/>
+          <a:bodyPr>
+            <a:normAutofit fontScale="92500"/>
+          </a:bodyPr>
           <a:lstStyle/>
           <a:p>
             <a:r>
@@ -6634,8 +6636,42 @@
             <a:pPr lvl="1"/>
             <a:r>
               <a:rPr lang="en-US" dirty="0" smtClean="0"/>
-              <a:t>Maintain history of activity</a:t>
-            </a:r>
+              <a:t>Maintain history of </a:t>
+            </a:r>
+            <a:r>
+              <a:rPr lang="en-US" dirty="0" smtClean="0"/>
+              <a:t>activity for each user</a:t>
+            </a:r>
+            <a:endParaRPr lang="en-US" dirty="0"/>
+          </a:p>
+          <a:p>
+            <a:pPr lvl="1"/>
+            <a:r>
+              <a:rPr lang="en-US" dirty="0" smtClean="0"/>
+              <a:t>Android API version should be selected to balance user reachability and functionality</a:t>
+            </a:r>
+          </a:p>
+          <a:p>
+            <a:pPr lvl="1"/>
+            <a:r>
+              <a:rPr lang="en-US" dirty="0" smtClean="0"/>
+              <a:t>Handling every possible exception thrown elegantly, i.e. to avoid the program to crash</a:t>
+            </a:r>
+          </a:p>
+          <a:p>
+            <a:pPr lvl="1"/>
+            <a:r>
+              <a:rPr lang="en-US" dirty="0" smtClean="0"/>
+              <a:t>Handling unreliable connections</a:t>
+            </a:r>
+          </a:p>
+          <a:p>
+            <a:pPr lvl="1"/>
+            <a:r>
+              <a:rPr lang="en-US" dirty="0" smtClean="0"/>
+              <a:t>Importing/Exporting CSV files</a:t>
+            </a:r>
+            <a:endParaRPr lang="en-US" dirty="0" smtClean="0"/>
           </a:p>
         </p:txBody>
       </p:sp>
@@ -6818,7 +6854,6 @@
               <a:rPr lang="en-US" dirty="0" smtClean="0"/>
               <a:t>Flexible and offers the best of Ant and Maven</a:t>
             </a:r>
-            <a:endParaRPr lang="en-US" dirty="0" smtClean="0"/>
           </a:p>
           <a:p>
             <a:r>
@@ -6837,7 +6872,6 @@
               <a:rPr lang="en-US" dirty="0" smtClean="0"/>
               <a:t>Script can be changed as desired</a:t>
             </a:r>
-            <a:endParaRPr lang="en-US" dirty="0" smtClean="0"/>
           </a:p>
         </p:txBody>
       </p:sp>
@@ -7048,7 +7082,6 @@
               <a:rPr lang="en-US" dirty="0"/>
               <a:t>	</a:t>
             </a:r>
-            <a:endParaRPr lang="en-US" dirty="0"/>
           </a:p>
         </p:txBody>
       </p:sp>

--- a/Android Interface/Presentation/COS 301 Presentation.pptx
+++ b/Android Interface/Presentation/COS 301 Presentation.pptx
@@ -15,14 +15,16 @@
     <p:sldId id="260" r:id="rId9"/>
     <p:sldId id="261" r:id="rId10"/>
     <p:sldId id="262" r:id="rId11"/>
-    <p:sldId id="263" r:id="rId12"/>
-    <p:sldId id="268" r:id="rId13"/>
-    <p:sldId id="269" r:id="rId14"/>
-    <p:sldId id="270" r:id="rId15"/>
-    <p:sldId id="271" r:id="rId16"/>
-    <p:sldId id="272" r:id="rId17"/>
-    <p:sldId id="273" r:id="rId18"/>
-    <p:sldId id="267" r:id="rId19"/>
+    <p:sldId id="275" r:id="rId12"/>
+    <p:sldId id="263" r:id="rId13"/>
+    <p:sldId id="268" r:id="rId14"/>
+    <p:sldId id="269" r:id="rId15"/>
+    <p:sldId id="270" r:id="rId16"/>
+    <p:sldId id="271" r:id="rId17"/>
+    <p:sldId id="272" r:id="rId18"/>
+    <p:sldId id="273" r:id="rId19"/>
+    <p:sldId id="274" r:id="rId20"/>
+    <p:sldId id="267" r:id="rId21"/>
   </p:sldIdLst>
   <p:sldSz cx="12192000" cy="6858000"/>
   <p:notesSz cx="6858000" cy="9144000"/>
@@ -6028,7 +6030,7 @@
           <a:p>
             <a:r>
               <a:rPr lang="en-US" dirty="0" smtClean="0"/>
-              <a:t>PROFILE</a:t>
+              <a:t>DATABASE</a:t>
             </a:r>
             <a:endParaRPr lang="en-US" dirty="0"/>
           </a:p>
@@ -6051,34 +6053,26 @@
           <a:p>
             <a:r>
               <a:rPr lang="en-US" dirty="0" smtClean="0"/>
-              <a:t>Each sub item selected will generate a page</a:t>
-            </a:r>
-          </a:p>
-          <a:p>
-            <a:r>
-              <a:rPr lang="en-US" dirty="0" smtClean="0"/>
-              <a:t>The Profile dot menu will contain the following functions:</a:t>
-            </a:r>
-          </a:p>
-          <a:p>
-            <a:pPr lvl="1"/>
-            <a:r>
-              <a:rPr lang="en-US" dirty="0" smtClean="0"/>
-              <a:t>View/Edit Profile</a:t>
-            </a:r>
-          </a:p>
-          <a:p>
-            <a:pPr lvl="1"/>
-            <a:endParaRPr lang="en-US" dirty="0" smtClean="0"/>
-          </a:p>
-          <a:p>
-            <a:pPr lvl="1"/>
-            <a:endParaRPr lang="en-US" dirty="0" smtClean="0"/>
-          </a:p>
-          <a:p>
-            <a:pPr marL="0" indent="0">
-              <a:buNone/>
-            </a:pPr>
+              <a:t>The will be a central server that will host the PostgreSQL database</a:t>
+            </a:r>
+          </a:p>
+          <a:p>
+            <a:r>
+              <a:rPr lang="en-US" dirty="0" smtClean="0"/>
+              <a:t>This database is relational</a:t>
+            </a:r>
+          </a:p>
+          <a:p>
+            <a:r>
+              <a:rPr lang="en-US" dirty="0" smtClean="0"/>
+              <a:t>The Android REST API will be used to access information on the database.</a:t>
+            </a:r>
+          </a:p>
+          <a:p>
+            <a:r>
+              <a:rPr lang="en-US" dirty="0" smtClean="0"/>
+              <a:t>The information used will be stored as JSON objects</a:t>
+            </a:r>
             <a:endParaRPr lang="en-US" dirty="0"/>
           </a:p>
         </p:txBody>
@@ -6086,7 +6080,7 @@
     </p:spTree>
     <p:extLst>
       <p:ext uri="{BB962C8B-B14F-4D97-AF65-F5344CB8AC3E}">
-        <p14:creationId xmlns:p14="http://schemas.microsoft.com/office/powerpoint/2010/main" val="147872064"/>
+        <p14:creationId xmlns:p14="http://schemas.microsoft.com/office/powerpoint/2010/main" val="2383968253"/>
       </p:ext>
     </p:extLst>
   </p:cSld>
@@ -6130,7 +6124,7 @@
           <a:p>
             <a:r>
               <a:rPr lang="en-US" dirty="0" smtClean="0"/>
-              <a:t>PUBLICATION</a:t>
+              <a:t>PROFILE</a:t>
             </a:r>
             <a:endParaRPr lang="en-US" dirty="0"/>
           </a:p>
@@ -6153,15 +6147,58 @@
           <a:p>
             <a:r>
               <a:rPr lang="en-US" dirty="0" smtClean="0"/>
-              <a:t>The Publication dot menu will contain the following actions:</a:t>
+              <a:t>Each sub item selected will generate a page</a:t>
+            </a:r>
+          </a:p>
+          <a:p>
+            <a:r>
+              <a:rPr lang="en-US" dirty="0" smtClean="0"/>
+              <a:t>The Profile dot menu will contain the following functions:</a:t>
             </a:r>
           </a:p>
           <a:p>
             <a:pPr lvl="1"/>
             <a:r>
               <a:rPr lang="en-US" dirty="0" smtClean="0"/>
-              <a:t>Add/Edit publications</a:t>
-            </a:r>
+              <a:t>View/Edit Own Profile</a:t>
+            </a:r>
+          </a:p>
+          <a:p>
+            <a:pPr marL="457200" lvl="1" indent="0">
+              <a:buNone/>
+            </a:pPr>
+            <a:endParaRPr lang="en-US" dirty="0" smtClean="0"/>
+          </a:p>
+          <a:p>
+            <a:pPr marL="457200" lvl="1" indent="0">
+              <a:buNone/>
+            </a:pPr>
+            <a:endParaRPr lang="en-US" dirty="0" smtClean="0"/>
+          </a:p>
+          <a:p>
+            <a:pPr lvl="1"/>
+            <a:endParaRPr lang="en-US" dirty="0" smtClean="0"/>
+          </a:p>
+          <a:p>
+            <a:pPr lvl="1"/>
+            <a:endParaRPr lang="en-US" dirty="0" smtClean="0"/>
+          </a:p>
+          <a:p>
+            <a:pPr lvl="1"/>
+            <a:endParaRPr lang="en-US" dirty="0" smtClean="0"/>
+          </a:p>
+          <a:p>
+            <a:pPr lvl="1"/>
+            <a:endParaRPr lang="en-US" dirty="0" smtClean="0"/>
+          </a:p>
+          <a:p>
+            <a:pPr lvl="1"/>
+            <a:endParaRPr lang="en-US" dirty="0" smtClean="0"/>
+          </a:p>
+          <a:p>
+            <a:pPr marL="0" indent="0">
+              <a:buNone/>
+            </a:pPr>
             <a:endParaRPr lang="en-US" dirty="0"/>
           </a:p>
         </p:txBody>
@@ -6169,7 +6206,7 @@
     </p:spTree>
     <p:extLst>
       <p:ext uri="{BB962C8B-B14F-4D97-AF65-F5344CB8AC3E}">
-        <p14:creationId xmlns:p14="http://schemas.microsoft.com/office/powerpoint/2010/main" val="1768912842"/>
+        <p14:creationId xmlns:p14="http://schemas.microsoft.com/office/powerpoint/2010/main" val="147872064"/>
       </p:ext>
     </p:extLst>
   </p:cSld>
@@ -6213,7 +6250,7 @@
           <a:p>
             <a:r>
               <a:rPr lang="en-US" dirty="0" smtClean="0"/>
-              <a:t>REPORT</a:t>
+              <a:t>PUBLICATION</a:t>
             </a:r>
             <a:endParaRPr lang="en-US" dirty="0"/>
           </a:p>
@@ -6234,6 +6271,60 @@
           <a:bodyPr/>
           <a:lstStyle/>
           <a:p>
+            <a:r>
+              <a:rPr lang="en-US" dirty="0" smtClean="0"/>
+              <a:t>The Publication dot menu will contain the following actions:</a:t>
+            </a:r>
+          </a:p>
+          <a:p>
+            <a:pPr lvl="1"/>
+            <a:r>
+              <a:rPr lang="en-US" dirty="0" smtClean="0"/>
+              <a:t>Add/Edit </a:t>
+            </a:r>
+            <a:r>
+              <a:rPr lang="en-US" dirty="0" smtClean="0"/>
+              <a:t>publications</a:t>
+            </a:r>
+          </a:p>
+          <a:p>
+            <a:pPr lvl="1"/>
+            <a:r>
+              <a:rPr lang="en-US" dirty="0" smtClean="0"/>
+              <a:t>View publications</a:t>
+            </a:r>
+          </a:p>
+          <a:p>
+            <a:pPr lvl="1"/>
+            <a:r>
+              <a:rPr lang="en-US" dirty="0" smtClean="0"/>
+              <a:t>Add/Edit publication type</a:t>
+            </a:r>
+          </a:p>
+          <a:p>
+            <a:pPr lvl="1"/>
+            <a:r>
+              <a:rPr lang="en-US" dirty="0" smtClean="0"/>
+              <a:t>Change publication state</a:t>
+            </a:r>
+          </a:p>
+          <a:p>
+            <a:pPr lvl="1"/>
+            <a:r>
+              <a:rPr lang="en-US" dirty="0" smtClean="0"/>
+              <a:t>Calculate accreditation points</a:t>
+            </a:r>
+          </a:p>
+          <a:p>
+            <a:pPr lvl="1"/>
+            <a:endParaRPr lang="en-US" dirty="0" smtClean="0"/>
+          </a:p>
+          <a:p>
+            <a:pPr lvl="1"/>
+            <a:endParaRPr lang="en-US" dirty="0" smtClean="0"/>
+          </a:p>
+          <a:p>
+            <a:pPr lvl="1"/>
             <a:endParaRPr lang="en-US" dirty="0"/>
           </a:p>
         </p:txBody>
@@ -6241,7 +6332,7 @@
     </p:spTree>
     <p:extLst>
       <p:ext uri="{BB962C8B-B14F-4D97-AF65-F5344CB8AC3E}">
-        <p14:creationId xmlns:p14="http://schemas.microsoft.com/office/powerpoint/2010/main" val="3355431235"/>
+        <p14:creationId xmlns:p14="http://schemas.microsoft.com/office/powerpoint/2010/main" val="1768912842"/>
       </p:ext>
     </p:extLst>
   </p:cSld>
@@ -6285,7 +6376,7 @@
           <a:p>
             <a:r>
               <a:rPr lang="en-US" dirty="0" smtClean="0"/>
-              <a:t>SEARCH</a:t>
+              <a:t>REPORT</a:t>
             </a:r>
             <a:endParaRPr lang="en-US" dirty="0"/>
           </a:p>
@@ -6306,14 +6397,30 @@
           <a:bodyPr/>
           <a:lstStyle/>
           <a:p>
-            <a:endParaRPr lang="en-US"/>
+            <a:r>
+              <a:rPr lang="en-US" dirty="0" smtClean="0"/>
+              <a:t>The reporting subsystem will render preexisting objects.</a:t>
+            </a:r>
+          </a:p>
+          <a:p>
+            <a:r>
+              <a:rPr lang="en-US" dirty="0" smtClean="0"/>
+              <a:t>Each user has the ability to generate a report based on the level of privilege</a:t>
+            </a:r>
+          </a:p>
+          <a:p>
+            <a:r>
+              <a:rPr lang="en-US" dirty="0" smtClean="0"/>
+              <a:t>The report will contain text-based data as well as a graph for statistical purposes</a:t>
+            </a:r>
+            <a:endParaRPr lang="en-US" dirty="0"/>
           </a:p>
         </p:txBody>
       </p:sp>
     </p:spTree>
     <p:extLst>
       <p:ext uri="{BB962C8B-B14F-4D97-AF65-F5344CB8AC3E}">
-        <p14:creationId xmlns:p14="http://schemas.microsoft.com/office/powerpoint/2010/main" val="1284402333"/>
+        <p14:creationId xmlns:p14="http://schemas.microsoft.com/office/powerpoint/2010/main" val="3355431235"/>
       </p:ext>
     </p:extLst>
   </p:cSld>
@@ -6357,7 +6464,7 @@
           <a:p>
             <a:r>
               <a:rPr lang="en-US" dirty="0" smtClean="0"/>
-              <a:t>HEAD OF RESEARCH</a:t>
+              <a:t>SEARCH</a:t>
             </a:r>
             <a:endParaRPr lang="en-US" dirty="0"/>
           </a:p>
@@ -6378,14 +6485,34 @@
           <a:bodyPr/>
           <a:lstStyle/>
           <a:p>
-            <a:endParaRPr lang="en-US"/>
+            <a:r>
+              <a:rPr lang="en-US" dirty="0" smtClean="0"/>
+              <a:t>Users can search for other users to view their profiles</a:t>
+            </a:r>
+          </a:p>
+          <a:p>
+            <a:r>
+              <a:rPr lang="en-US" dirty="0" smtClean="0"/>
+              <a:t>Theses users, however, cannot view the papers the users are working on</a:t>
+            </a:r>
+          </a:p>
+          <a:p>
+            <a:r>
+              <a:rPr lang="en-US" dirty="0" smtClean="0"/>
+              <a:t>The profile information displayed is </a:t>
+            </a:r>
+            <a:r>
+              <a:rPr lang="en-US" dirty="0" smtClean="0"/>
+              <a:t>limited to the users demographical information and contact details</a:t>
+            </a:r>
+            <a:endParaRPr lang="en-US" dirty="0"/>
           </a:p>
         </p:txBody>
       </p:sp>
     </p:spTree>
     <p:extLst>
       <p:ext uri="{BB962C8B-B14F-4D97-AF65-F5344CB8AC3E}">
-        <p14:creationId xmlns:p14="http://schemas.microsoft.com/office/powerpoint/2010/main" val="2169943006"/>
+        <p14:creationId xmlns:p14="http://schemas.microsoft.com/office/powerpoint/2010/main" val="1284402333"/>
       </p:ext>
     </p:extLst>
   </p:cSld>
@@ -6429,7 +6556,7 @@
           <a:p>
             <a:r>
               <a:rPr lang="en-US" dirty="0" smtClean="0"/>
-              <a:t>ADMIN</a:t>
+              <a:t>HEAD OF RESEARCH</a:t>
             </a:r>
             <a:endParaRPr lang="en-US" dirty="0"/>
           </a:p>
@@ -6450,14 +6577,77 @@
           <a:bodyPr/>
           <a:lstStyle/>
           <a:p>
-            <a:endParaRPr lang="en-US"/>
+            <a:r>
+              <a:rPr lang="en-US" dirty="0" smtClean="0"/>
+              <a:t>Th</a:t>
+            </a:r>
+            <a:r>
+              <a:rPr lang="en-US" dirty="0" smtClean="0"/>
+              <a:t>e Head of Research is a user with added privileges</a:t>
+            </a:r>
+          </a:p>
+          <a:p>
+            <a:r>
+              <a:rPr lang="en-US" dirty="0" smtClean="0"/>
+              <a:t>These privileges include:</a:t>
+            </a:r>
+          </a:p>
+          <a:p>
+            <a:pPr lvl="1"/>
+            <a:r>
+              <a:rPr lang="en-US" dirty="0" smtClean="0"/>
+              <a:t>Generating reports for the research group</a:t>
+            </a:r>
+          </a:p>
+          <a:p>
+            <a:pPr lvl="1"/>
+            <a:r>
+              <a:rPr lang="en-US" dirty="0" smtClean="0"/>
+              <a:t>Set up notifications</a:t>
+            </a:r>
+          </a:p>
+          <a:p>
+            <a:pPr lvl="1"/>
+            <a:r>
+              <a:rPr lang="en-US" dirty="0" smtClean="0"/>
+              <a:t>View profiles of users in the research group</a:t>
+            </a:r>
+          </a:p>
+          <a:p>
+            <a:pPr lvl="1"/>
+            <a:r>
+              <a:rPr lang="en-US" dirty="0" smtClean="0"/>
+              <a:t>Add publication</a:t>
+            </a:r>
+          </a:p>
+          <a:p>
+            <a:pPr lvl="1"/>
+            <a:r>
+              <a:rPr lang="en-US" dirty="0" smtClean="0"/>
+              <a:t>Edit publication state</a:t>
+            </a:r>
+          </a:p>
+          <a:p>
+            <a:pPr lvl="1"/>
+            <a:r>
+              <a:rPr lang="en-US" dirty="0" smtClean="0"/>
+              <a:t>Add user to a research group</a:t>
+            </a:r>
+          </a:p>
+          <a:p>
+            <a:pPr lvl="1"/>
+            <a:endParaRPr lang="en-US" dirty="0" smtClean="0"/>
+          </a:p>
+          <a:p>
+            <a:pPr lvl="1"/>
+            <a:endParaRPr lang="en-US" dirty="0"/>
           </a:p>
         </p:txBody>
       </p:sp>
     </p:spTree>
     <p:extLst>
       <p:ext uri="{BB962C8B-B14F-4D97-AF65-F5344CB8AC3E}">
-        <p14:creationId xmlns:p14="http://schemas.microsoft.com/office/powerpoint/2010/main" val="1399219623"/>
+        <p14:creationId xmlns:p14="http://schemas.microsoft.com/office/powerpoint/2010/main" val="2169943006"/>
       </p:ext>
     </p:extLst>
   </p:cSld>
@@ -6501,7 +6691,7 @@
           <a:p>
             <a:r>
               <a:rPr lang="en-US" dirty="0" smtClean="0"/>
-              <a:t>LOGOUT</a:t>
+              <a:t>ADMIN</a:t>
             </a:r>
             <a:endParaRPr lang="en-US" dirty="0"/>
           </a:p>
@@ -6524,15 +6714,25 @@
           <a:p>
             <a:r>
               <a:rPr lang="en-US" dirty="0" smtClean="0"/>
-              <a:t>This option will redirect the user to the login page</a:t>
-            </a:r>
+              <a:t>The Admin has added privileges</a:t>
+            </a:r>
+          </a:p>
+          <a:p>
+            <a:r>
+              <a:rPr lang="en-US" dirty="0" smtClean="0"/>
+              <a:t>These privileges include:</a:t>
+            </a:r>
+          </a:p>
+          <a:p>
+            <a:pPr lvl="1"/>
+            <a:endParaRPr lang="en-US" dirty="0"/>
           </a:p>
         </p:txBody>
       </p:sp>
     </p:spTree>
     <p:extLst>
       <p:ext uri="{BB962C8B-B14F-4D97-AF65-F5344CB8AC3E}">
-        <p14:creationId xmlns:p14="http://schemas.microsoft.com/office/powerpoint/2010/main" val="2910013269"/>
+        <p14:creationId xmlns:p14="http://schemas.microsoft.com/office/powerpoint/2010/main" val="1399219623"/>
       </p:ext>
     </p:extLst>
   </p:cSld>
@@ -6576,7 +6776,7 @@
           <a:p>
             <a:r>
               <a:rPr lang="en-US" dirty="0" smtClean="0"/>
-              <a:t>TECHNICAL CHALLENGES</a:t>
+              <a:t>LOGOUT</a:t>
             </a:r>
             <a:endParaRPr lang="en-US" dirty="0"/>
           </a:p>
@@ -6594,82 +6794,34 @@
         </p:nvSpPr>
         <p:spPr/>
         <p:txBody>
-          <a:bodyPr>
-            <a:normAutofit fontScale="92500"/>
-          </a:bodyPr>
-          <a:lstStyle/>
-          <a:p>
-            <a:r>
-              <a:rPr lang="en-US" dirty="0" smtClean="0"/>
-              <a:t>These challenges include:</a:t>
-            </a:r>
-          </a:p>
-          <a:p>
-            <a:pPr lvl="1"/>
-            <a:r>
-              <a:rPr lang="en-US" dirty="0" smtClean="0"/>
-              <a:t>Session Management</a:t>
-            </a:r>
-          </a:p>
-          <a:p>
-            <a:pPr lvl="1"/>
-            <a:r>
-              <a:rPr lang="en-US" dirty="0" smtClean="0"/>
-              <a:t>Appropriate API for graphical Reporting Subsystem statistics generation</a:t>
-            </a:r>
-          </a:p>
-          <a:p>
-            <a:pPr lvl="1"/>
-            <a:r>
-              <a:rPr lang="en-US" dirty="0" smtClean="0"/>
-              <a:t>Password reset options</a:t>
-            </a:r>
-          </a:p>
-          <a:p>
-            <a:pPr lvl="1"/>
-            <a:r>
-              <a:rPr lang="en-US" dirty="0" smtClean="0"/>
-              <a:t>Update installations</a:t>
-            </a:r>
-          </a:p>
-          <a:p>
-            <a:pPr lvl="1"/>
-            <a:r>
-              <a:rPr lang="en-US" dirty="0" smtClean="0"/>
-              <a:t>Maintain history of </a:t>
-            </a:r>
-            <a:r>
-              <a:rPr lang="en-US" dirty="0" smtClean="0"/>
-              <a:t>activity for each user</a:t>
-            </a:r>
-            <a:endParaRPr lang="en-US" dirty="0"/>
-          </a:p>
-          <a:p>
-            <a:pPr lvl="1"/>
-            <a:r>
-              <a:rPr lang="en-US" dirty="0" smtClean="0"/>
-              <a:t>Android API version should be selected to balance user reachability and functionality</a:t>
-            </a:r>
-          </a:p>
-          <a:p>
-            <a:pPr lvl="1"/>
-            <a:r>
-              <a:rPr lang="en-US" dirty="0" smtClean="0"/>
-              <a:t>Handling every possible exception thrown elegantly, i.e. to avoid the program to crash</a:t>
-            </a:r>
-          </a:p>
-          <a:p>
-            <a:pPr lvl="1"/>
-            <a:r>
-              <a:rPr lang="en-US" dirty="0" smtClean="0"/>
-              <a:t>Handling unreliable connections</a:t>
-            </a:r>
-          </a:p>
-          <a:p>
-            <a:pPr lvl="1"/>
-            <a:r>
-              <a:rPr lang="en-US" dirty="0" smtClean="0"/>
-              <a:t>Importing/Exporting CSV files</a:t>
+          <a:bodyPr/>
+          <a:lstStyle/>
+          <a:p>
+            <a:r>
+              <a:rPr lang="en-US" dirty="0" smtClean="0"/>
+              <a:t>This option will redirect the user to the login </a:t>
+            </a:r>
+            <a:r>
+              <a:rPr lang="en-US" dirty="0" smtClean="0"/>
+              <a:t>page</a:t>
+            </a:r>
+          </a:p>
+          <a:p>
+            <a:r>
+              <a:rPr lang="en-US" dirty="0" smtClean="0"/>
+              <a:t>Once a user is logged out they cannot use the system</a:t>
+            </a:r>
+          </a:p>
+          <a:p>
+            <a:r>
+              <a:rPr lang="en-US" dirty="0" smtClean="0"/>
+              <a:t>The system should log the session before logout</a:t>
+            </a:r>
+          </a:p>
+          <a:p>
+            <a:r>
+              <a:rPr lang="en-US" dirty="0" smtClean="0"/>
+              <a:t>After a re-login, the session should resume</a:t>
             </a:r>
             <a:endParaRPr lang="en-US" dirty="0" smtClean="0"/>
           </a:p>
@@ -6678,7 +6830,104 @@
     </p:spTree>
     <p:extLst>
       <p:ext uri="{BB962C8B-B14F-4D97-AF65-F5344CB8AC3E}">
-        <p14:creationId xmlns:p14="http://schemas.microsoft.com/office/powerpoint/2010/main" val="4171408797"/>
+        <p14:creationId xmlns:p14="http://schemas.microsoft.com/office/powerpoint/2010/main" val="2910013269"/>
+      </p:ext>
+    </p:extLst>
+  </p:cSld>
+  <p:clrMapOvr>
+    <a:masterClrMapping/>
+  </p:clrMapOvr>
+</p:sld>
+</file>
+
+<file path=ppt/slides/slide19.xml><?xml version="1.0" encoding="utf-8"?>
+<p:sld xmlns:a="http://schemas.openxmlformats.org/drawingml/2006/main" xmlns:r="http://schemas.openxmlformats.org/officeDocument/2006/relationships" xmlns:p="http://schemas.openxmlformats.org/presentationml/2006/main">
+  <p:cSld>
+    <p:spTree>
+      <p:nvGrpSpPr>
+        <p:cNvPr id="1" name=""/>
+        <p:cNvGrpSpPr/>
+        <p:nvPr/>
+      </p:nvGrpSpPr>
+      <p:grpSpPr>
+        <a:xfrm>
+          <a:off x="0" y="0"/>
+          <a:ext cx="0" cy="0"/>
+          <a:chOff x="0" y="0"/>
+          <a:chExt cx="0" cy="0"/>
+        </a:xfrm>
+      </p:grpSpPr>
+      <p:sp>
+        <p:nvSpPr>
+          <p:cNvPr id="2" name="Title 1"/>
+          <p:cNvSpPr>
+            <a:spLocks noGrp="1"/>
+          </p:cNvSpPr>
+          <p:nvPr>
+            <p:ph type="title"/>
+          </p:nvPr>
+        </p:nvSpPr>
+        <p:spPr/>
+        <p:txBody>
+          <a:bodyPr/>
+          <a:lstStyle/>
+          <a:p>
+            <a:r>
+              <a:rPr lang="en-US" dirty="0" smtClean="0"/>
+              <a:t>NOTIFICATIONS</a:t>
+            </a:r>
+            <a:endParaRPr lang="en-US" dirty="0"/>
+          </a:p>
+        </p:txBody>
+      </p:sp>
+      <p:sp>
+        <p:nvSpPr>
+          <p:cNvPr id="3" name="Content Placeholder 2"/>
+          <p:cNvSpPr>
+            <a:spLocks noGrp="1"/>
+          </p:cNvSpPr>
+          <p:nvPr>
+            <p:ph idx="1"/>
+          </p:nvPr>
+        </p:nvSpPr>
+        <p:spPr/>
+        <p:txBody>
+          <a:bodyPr/>
+          <a:lstStyle/>
+          <a:p>
+            <a:r>
+              <a:rPr lang="en-US" dirty="0" smtClean="0"/>
+              <a:t>We will enable notifications on paper objects</a:t>
+            </a:r>
+          </a:p>
+          <a:p>
+            <a:r>
+              <a:rPr lang="en-US" dirty="0" smtClean="0"/>
+              <a:t>The notifications team will use the UP mail server to send out notification emails</a:t>
+            </a:r>
+          </a:p>
+          <a:p>
+            <a:r>
+              <a:rPr lang="en-US" dirty="0" smtClean="0"/>
+              <a:t>The normal user cannot manipulate the notification settings in anyway</a:t>
+            </a:r>
+          </a:p>
+          <a:p>
+            <a:pPr marL="0" indent="0">
+              <a:buNone/>
+            </a:pPr>
+            <a:r>
+              <a:rPr lang="en-US" dirty="0" smtClean="0"/>
+              <a:t> </a:t>
+            </a:r>
+            <a:endParaRPr lang="en-US" dirty="0"/>
+          </a:p>
+        </p:txBody>
+      </p:sp>
+    </p:spTree>
+    <p:extLst>
+      <p:ext uri="{BB962C8B-B14F-4D97-AF65-F5344CB8AC3E}">
+        <p14:creationId xmlns:p14="http://schemas.microsoft.com/office/powerpoint/2010/main" val="3514705755"/>
       </p:ext>
     </p:extLst>
   </p:cSld>
@@ -6780,6 +7029,147 @@
     <p:extLst>
       <p:ext uri="{BB962C8B-B14F-4D97-AF65-F5344CB8AC3E}">
         <p14:creationId xmlns:p14="http://schemas.microsoft.com/office/powerpoint/2010/main" val="117129925"/>
+      </p:ext>
+    </p:extLst>
+  </p:cSld>
+  <p:clrMapOvr>
+    <a:masterClrMapping/>
+  </p:clrMapOvr>
+</p:sld>
+</file>
+
+<file path=ppt/slides/slide20.xml><?xml version="1.0" encoding="utf-8"?>
+<p:sld xmlns:a="http://schemas.openxmlformats.org/drawingml/2006/main" xmlns:r="http://schemas.openxmlformats.org/officeDocument/2006/relationships" xmlns:p="http://schemas.openxmlformats.org/presentationml/2006/main">
+  <p:cSld>
+    <p:spTree>
+      <p:nvGrpSpPr>
+        <p:cNvPr id="1" name=""/>
+        <p:cNvGrpSpPr/>
+        <p:nvPr/>
+      </p:nvGrpSpPr>
+      <p:grpSpPr>
+        <a:xfrm>
+          <a:off x="0" y="0"/>
+          <a:ext cx="0" cy="0"/>
+          <a:chOff x="0" y="0"/>
+          <a:chExt cx="0" cy="0"/>
+        </a:xfrm>
+      </p:grpSpPr>
+      <p:sp>
+        <p:nvSpPr>
+          <p:cNvPr id="2" name="Title 1"/>
+          <p:cNvSpPr>
+            <a:spLocks noGrp="1"/>
+          </p:cNvSpPr>
+          <p:nvPr>
+            <p:ph type="title"/>
+          </p:nvPr>
+        </p:nvSpPr>
+        <p:spPr/>
+        <p:txBody>
+          <a:bodyPr/>
+          <a:lstStyle/>
+          <a:p>
+            <a:r>
+              <a:rPr lang="en-US" dirty="0" smtClean="0"/>
+              <a:t>TECHNICAL CHALLENGES</a:t>
+            </a:r>
+            <a:endParaRPr lang="en-US" dirty="0"/>
+          </a:p>
+        </p:txBody>
+      </p:sp>
+      <p:sp>
+        <p:nvSpPr>
+          <p:cNvPr id="3" name="Content Placeholder 2"/>
+          <p:cNvSpPr>
+            <a:spLocks noGrp="1"/>
+          </p:cNvSpPr>
+          <p:nvPr>
+            <p:ph idx="1"/>
+          </p:nvPr>
+        </p:nvSpPr>
+        <p:spPr/>
+        <p:txBody>
+          <a:bodyPr>
+            <a:normAutofit fontScale="92500"/>
+          </a:bodyPr>
+          <a:lstStyle/>
+          <a:p>
+            <a:r>
+              <a:rPr lang="en-US" dirty="0" smtClean="0"/>
+              <a:t>These challenges include:</a:t>
+            </a:r>
+          </a:p>
+          <a:p>
+            <a:pPr lvl="1"/>
+            <a:r>
+              <a:rPr lang="en-US" dirty="0" smtClean="0"/>
+              <a:t>Session Management</a:t>
+            </a:r>
+          </a:p>
+          <a:p>
+            <a:pPr lvl="1"/>
+            <a:r>
+              <a:rPr lang="en-US" dirty="0" smtClean="0"/>
+              <a:t>Appropriate API for graphical Reporting Subsystem statistics generation</a:t>
+            </a:r>
+          </a:p>
+          <a:p>
+            <a:pPr lvl="1"/>
+            <a:r>
+              <a:rPr lang="en-US" dirty="0" smtClean="0"/>
+              <a:t>Password reset options</a:t>
+            </a:r>
+          </a:p>
+          <a:p>
+            <a:pPr lvl="1"/>
+            <a:r>
+              <a:rPr lang="en-US" dirty="0" smtClean="0"/>
+              <a:t>Update installations</a:t>
+            </a:r>
+          </a:p>
+          <a:p>
+            <a:pPr lvl="1"/>
+            <a:r>
+              <a:rPr lang="en-US" dirty="0" smtClean="0"/>
+              <a:t>Maintain history of activity for each user</a:t>
+            </a:r>
+            <a:endParaRPr lang="en-US" dirty="0"/>
+          </a:p>
+          <a:p>
+            <a:pPr lvl="1"/>
+            <a:r>
+              <a:rPr lang="en-US" dirty="0" smtClean="0"/>
+              <a:t>Android API version should be selected to balance user reachability and functionality</a:t>
+            </a:r>
+          </a:p>
+          <a:p>
+            <a:pPr lvl="1"/>
+            <a:r>
+              <a:rPr lang="en-US" dirty="0" smtClean="0"/>
+              <a:t>Handling every possible exception thrown elegantly, i.e. to avoid the program to crash</a:t>
+            </a:r>
+          </a:p>
+          <a:p>
+            <a:pPr lvl="1"/>
+            <a:r>
+              <a:rPr lang="en-US" dirty="0" smtClean="0"/>
+              <a:t>Handling unreliable connections</a:t>
+            </a:r>
+          </a:p>
+          <a:p>
+            <a:pPr lvl="1"/>
+            <a:r>
+              <a:rPr lang="en-US" dirty="0" smtClean="0"/>
+              <a:t>Importing/Exporting CSV files</a:t>
+            </a:r>
+          </a:p>
+        </p:txBody>
+      </p:sp>
+    </p:spTree>
+    <p:extLst>
+      <p:ext uri="{BB962C8B-B14F-4D97-AF65-F5344CB8AC3E}">
+        <p14:creationId xmlns:p14="http://schemas.microsoft.com/office/powerpoint/2010/main" val="4171408797"/>
       </p:ext>
     </p:extLst>
   </p:cSld>
